--- a/Projet 4 - retard avion/Presentation-projet_4.pptx
+++ b/Projet 4 - retard avion/Presentation-projet_4.pptx
@@ -5,7 +5,7 @@
     <p:sldMasterId id="2147483648" r:id="rId1"/>
   </p:sldMasterIdLst>
   <p:notesMasterIdLst>
-    <p:notesMasterId r:id="rId9"/>
+    <p:notesMasterId r:id="rId22"/>
   </p:notesMasterIdLst>
   <p:sldIdLst>
     <p:sldId id="256" r:id="rId2"/>
@@ -15,6 +15,19 @@
     <p:sldId id="265" r:id="rId6"/>
     <p:sldId id="266" r:id="rId7"/>
     <p:sldId id="267" r:id="rId8"/>
+    <p:sldId id="269" r:id="rId9"/>
+    <p:sldId id="272" r:id="rId10"/>
+    <p:sldId id="273" r:id="rId11"/>
+    <p:sldId id="274" r:id="rId12"/>
+    <p:sldId id="268" r:id="rId13"/>
+    <p:sldId id="270" r:id="rId14"/>
+    <p:sldId id="271" r:id="rId15"/>
+    <p:sldId id="277" r:id="rId16"/>
+    <p:sldId id="275" r:id="rId17"/>
+    <p:sldId id="276" r:id="rId18"/>
+    <p:sldId id="278" r:id="rId19"/>
+    <p:sldId id="279" r:id="rId20"/>
+    <p:sldId id="280" r:id="rId21"/>
   </p:sldIdLst>
   <p:sldSz cx="9144000" cy="6858000" type="screen4x3"/>
   <p:notesSz cx="6858000" cy="9144000"/>
@@ -198,7 +211,7 @@
           <a:p>
             <a:fld id="{E66492E5-39EF-4EC5-9E99-7F0DBC26806B}" type="datetimeFigureOut">
               <a:rPr lang="fr-FR" smtClean="0"/>
-              <a:t>19/11/2017</a:t>
+              <a:t>21/11/2017</a:t>
             </a:fld>
             <a:endParaRPr lang="fr-FR"/>
           </a:p>
@@ -731,7 +744,7 @@
           <a:p>
             <a:fld id="{2A35F02A-33DF-42A4-9F54-2DFA5B84052E}" type="datetime1">
               <a:rPr lang="fr-FR" smtClean="0"/>
-              <a:t>19/11/2017</a:t>
+              <a:t>21/11/2017</a:t>
             </a:fld>
             <a:endParaRPr lang="fr-FR"/>
           </a:p>
@@ -905,7 +918,7 @@
           <a:p>
             <a:fld id="{AA7084F6-C923-4306-BC74-6AA1A26D5992}" type="datetime1">
               <a:rPr lang="fr-FR" smtClean="0"/>
-              <a:t>19/11/2017</a:t>
+              <a:t>21/11/2017</a:t>
             </a:fld>
             <a:endParaRPr lang="fr-FR"/>
           </a:p>
@@ -1089,7 +1102,7 @@
           <a:p>
             <a:fld id="{6B9DA1C8-56AA-40E0-92DC-CCF13B41CFF7}" type="datetime1">
               <a:rPr lang="fr-FR" smtClean="0"/>
-              <a:t>19/11/2017</a:t>
+              <a:t>21/11/2017</a:t>
             </a:fld>
             <a:endParaRPr lang="fr-FR"/>
           </a:p>
@@ -1263,7 +1276,7 @@
           <a:p>
             <a:fld id="{30547005-2CCE-4AAF-810C-C33FB4661996}" type="datetime1">
               <a:rPr lang="fr-FR" smtClean="0"/>
-              <a:t>19/11/2017</a:t>
+              <a:t>21/11/2017</a:t>
             </a:fld>
             <a:endParaRPr lang="fr-FR"/>
           </a:p>
@@ -1513,7 +1526,7 @@
           <a:p>
             <a:fld id="{3EBD0647-CE4F-4B82-BC14-997434234D2E}" type="datetime1">
               <a:rPr lang="fr-FR" smtClean="0"/>
-              <a:t>19/11/2017</a:t>
+              <a:t>21/11/2017</a:t>
             </a:fld>
             <a:endParaRPr lang="fr-FR"/>
           </a:p>
@@ -1805,7 +1818,7 @@
           <a:p>
             <a:fld id="{263CA1C6-1D15-44B1-8495-DE2EC5425D2F}" type="datetime1">
               <a:rPr lang="fr-FR" smtClean="0"/>
-              <a:t>19/11/2017</a:t>
+              <a:t>21/11/2017</a:t>
             </a:fld>
             <a:endParaRPr lang="fr-FR"/>
           </a:p>
@@ -2231,7 +2244,7 @@
           <a:p>
             <a:fld id="{5F86B07A-1301-4558-A6E0-D7A436826ECB}" type="datetime1">
               <a:rPr lang="fr-FR" smtClean="0"/>
-              <a:t>19/11/2017</a:t>
+              <a:t>21/11/2017</a:t>
             </a:fld>
             <a:endParaRPr lang="fr-FR"/>
           </a:p>
@@ -2353,7 +2366,7 @@
           <a:p>
             <a:fld id="{10CD6315-9A1E-41E9-BC28-33D394163B67}" type="datetime1">
               <a:rPr lang="fr-FR" smtClean="0"/>
-              <a:t>19/11/2017</a:t>
+              <a:t>21/11/2017</a:t>
             </a:fld>
             <a:endParaRPr lang="fr-FR"/>
           </a:p>
@@ -2452,7 +2465,7 @@
           <a:p>
             <a:fld id="{8EA7A85C-1960-4CA0-B72B-A39E81C20158}" type="datetime1">
               <a:rPr lang="fr-FR" smtClean="0"/>
-              <a:t>19/11/2017</a:t>
+              <a:t>21/11/2017</a:t>
             </a:fld>
             <a:endParaRPr lang="fr-FR"/>
           </a:p>
@@ -2733,7 +2746,7 @@
           <a:p>
             <a:fld id="{885A14C0-C539-4FC5-A6ED-ABABD975303B}" type="datetime1">
               <a:rPr lang="fr-FR" smtClean="0"/>
-              <a:t>19/11/2017</a:t>
+              <a:t>21/11/2017</a:t>
             </a:fld>
             <a:endParaRPr lang="fr-FR"/>
           </a:p>
@@ -2990,7 +3003,7 @@
           <a:p>
             <a:fld id="{D772F3C9-8121-4DF6-9420-FBC4A08EF57A}" type="datetime1">
               <a:rPr lang="fr-FR" smtClean="0"/>
-              <a:t>19/11/2017</a:t>
+              <a:t>21/11/2017</a:t>
             </a:fld>
             <a:endParaRPr lang="fr-FR"/>
           </a:p>
@@ -3228,7 +3241,7 @@
           <a:p>
             <a:fld id="{C13329EF-B01B-4D4B-83A1-AFBB7696C373}" type="datetime1">
               <a:rPr lang="fr-FR" smtClean="0"/>
-              <a:t>19/11/2017</a:t>
+              <a:t>21/11/2017</a:t>
             </a:fld>
             <a:endParaRPr lang="fr-FR"/>
           </a:p>
@@ -3682,43 +3695,19 @@
                 </a:solidFill>
                 <a:latin typeface="Lato" pitchFamily="34" charset="0"/>
               </a:rPr>
-              <a:t>Projet </a:t>
-            </a:r>
-            <a:r>
-              <a:rPr lang="fr-FR" dirty="0" smtClean="0">
+              <a:t>Projet 4 :</a:t>
+            </a:r>
+          </a:p>
+          <a:p>
+            <a:r>
+              <a:rPr lang="fr-FR" dirty="0">
                 <a:solidFill>
                   <a:srgbClr val="E8750C"/>
                 </a:solidFill>
                 <a:latin typeface="Lato" pitchFamily="34" charset="0"/>
               </a:rPr>
-              <a:t>4 </a:t>
-            </a:r>
-            <a:r>
-              <a:rPr lang="fr-FR" dirty="0" smtClean="0">
-                <a:solidFill>
-                  <a:srgbClr val="E8750C"/>
-                </a:solidFill>
-                <a:latin typeface="Lato" pitchFamily="34" charset="0"/>
-              </a:rPr>
-              <a:t>:</a:t>
-            </a:r>
-          </a:p>
-          <a:p>
-            <a:r>
-              <a:rPr lang="fr-FR" dirty="0">
-                <a:solidFill>
-                  <a:srgbClr val="E8750C"/>
-                </a:solidFill>
-                <a:latin typeface="Lato" pitchFamily="34" charset="0"/>
-              </a:rPr>
               <a:t>Anticipez le retard de vol des avions</a:t>
             </a:r>
-            <a:endParaRPr lang="fr-FR" dirty="0">
-              <a:solidFill>
-                <a:srgbClr val="E8750C"/>
-              </a:solidFill>
-              <a:latin typeface="Lato" pitchFamily="34" charset="0"/>
-            </a:endParaRPr>
           </a:p>
         </p:txBody>
       </p:sp>
@@ -3743,7 +3732,7 @@
                   <a:srgbClr val="95023C"/>
                 </a:solidFill>
               </a:rPr>
-              <a:t>19/11/2017</a:t>
+              <a:t>21/11/2017</a:t>
             </a:fld>
             <a:endParaRPr lang="fr-FR" dirty="0">
               <a:solidFill>
@@ -3927,6 +3916,3422 @@
 </p:sld>
 </file>
 
+<file path=ppt/slides/slide10.xml><?xml version="1.0" encoding="utf-8"?>
+<p:sld xmlns:a="http://schemas.openxmlformats.org/drawingml/2006/main" xmlns:r="http://schemas.openxmlformats.org/officeDocument/2006/relationships" xmlns:p="http://schemas.openxmlformats.org/presentationml/2006/main">
+  <p:cSld>
+    <p:spTree>
+      <p:nvGrpSpPr>
+        <p:cNvPr id="1" name=""/>
+        <p:cNvGrpSpPr/>
+        <p:nvPr/>
+      </p:nvGrpSpPr>
+      <p:grpSpPr>
+        <a:xfrm>
+          <a:off x="0" y="0"/>
+          <a:ext cx="0" cy="0"/>
+          <a:chOff x="0" y="0"/>
+          <a:chExt cx="0" cy="0"/>
+        </a:xfrm>
+      </p:grpSpPr>
+      <p:sp>
+        <p:nvSpPr>
+          <p:cNvPr id="2" name="Titre 1"/>
+          <p:cNvSpPr>
+            <a:spLocks noGrp="1"/>
+          </p:cNvSpPr>
+          <p:nvPr>
+            <p:ph type="title"/>
+          </p:nvPr>
+        </p:nvSpPr>
+        <p:spPr/>
+        <p:txBody>
+          <a:bodyPr/>
+          <a:lstStyle/>
+          <a:p>
+            <a:r>
+              <a:rPr lang="fr-FR" dirty="0" smtClean="0"/>
+              <a:t>Exploration</a:t>
+            </a:r>
+            <a:endParaRPr lang="fr-FR" dirty="0"/>
+          </a:p>
+        </p:txBody>
+      </p:sp>
+      <p:sp>
+        <p:nvSpPr>
+          <p:cNvPr id="3" name="Espace réservé du contenu 2"/>
+          <p:cNvSpPr>
+            <a:spLocks noGrp="1"/>
+          </p:cNvSpPr>
+          <p:nvPr>
+            <p:ph idx="1"/>
+          </p:nvPr>
+        </p:nvSpPr>
+        <p:spPr/>
+        <p:txBody>
+          <a:bodyPr>
+            <a:normAutofit/>
+          </a:bodyPr>
+          <a:lstStyle/>
+          <a:p>
+            <a:r>
+              <a:rPr lang="fr-FR" sz="2800" dirty="0" smtClean="0">
+                <a:solidFill>
+                  <a:srgbClr val="E8750C"/>
+                </a:solidFill>
+              </a:rPr>
+              <a:t>Retard par Date</a:t>
+            </a:r>
+          </a:p>
+          <a:p>
+            <a:pPr lvl="1"/>
+            <a:r>
+              <a:rPr lang="fr-FR" sz="2400" dirty="0" smtClean="0">
+                <a:solidFill>
+                  <a:srgbClr val="E8750C"/>
+                </a:solidFill>
+              </a:rPr>
+              <a:t>Par heure</a:t>
+            </a:r>
+          </a:p>
+          <a:p>
+            <a:pPr lvl="2"/>
+            <a:r>
+              <a:rPr lang="fr-FR" sz="2000" dirty="0" smtClean="0">
+                <a:solidFill>
+                  <a:srgbClr val="E8750C"/>
+                </a:solidFill>
+              </a:rPr>
+              <a:t>Linéarisation</a:t>
+            </a:r>
+          </a:p>
+          <a:p>
+            <a:pPr lvl="3"/>
+            <a:r>
+              <a:rPr lang="fr-FR" dirty="0" smtClean="0">
+                <a:solidFill>
+                  <a:srgbClr val="E8750C"/>
+                </a:solidFill>
+              </a:rPr>
+              <a:t>X = abs(X-15)</a:t>
+            </a:r>
+          </a:p>
+          <a:p>
+            <a:pPr lvl="2"/>
+            <a:r>
+              <a:rPr lang="fr-FR" sz="2000" dirty="0" smtClean="0">
+                <a:solidFill>
+                  <a:srgbClr val="E8750C"/>
+                </a:solidFill>
+              </a:rPr>
+              <a:t>Assez stable</a:t>
+            </a:r>
+          </a:p>
+          <a:p>
+            <a:pPr lvl="2"/>
+            <a:r>
+              <a:rPr lang="fr-FR" sz="2000" dirty="0" smtClean="0">
+                <a:solidFill>
+                  <a:srgbClr val="E8750C"/>
+                </a:solidFill>
+              </a:rPr>
+              <a:t>Pas encodé</a:t>
+            </a:r>
+          </a:p>
+        </p:txBody>
+      </p:sp>
+      <p:sp>
+        <p:nvSpPr>
+          <p:cNvPr id="4" name="Espace réservé de la date 3"/>
+          <p:cNvSpPr>
+            <a:spLocks noGrp="1"/>
+          </p:cNvSpPr>
+          <p:nvPr>
+            <p:ph type="dt" sz="half" idx="10"/>
+          </p:nvPr>
+        </p:nvSpPr>
+        <p:spPr/>
+        <p:txBody>
+          <a:bodyPr/>
+          <a:lstStyle/>
+          <a:p>
+            <a:fld id="{30547005-2CCE-4AAF-810C-C33FB4661996}" type="datetime1">
+              <a:rPr lang="fr-FR" smtClean="0"/>
+              <a:t>21/11/2017</a:t>
+            </a:fld>
+            <a:endParaRPr lang="fr-FR"/>
+          </a:p>
+        </p:txBody>
+      </p:sp>
+      <p:sp>
+        <p:nvSpPr>
+          <p:cNvPr id="5" name="Espace réservé du pied de page 4"/>
+          <p:cNvSpPr>
+            <a:spLocks noGrp="1"/>
+          </p:cNvSpPr>
+          <p:nvPr>
+            <p:ph type="ftr" sz="quarter" idx="11"/>
+          </p:nvPr>
+        </p:nvSpPr>
+        <p:spPr/>
+        <p:txBody>
+          <a:bodyPr/>
+          <a:lstStyle/>
+          <a:p>
+            <a:r>
+              <a:rPr lang="fr-FR" dirty="0" smtClean="0"/>
+              <a:t>MINE Nicolas</a:t>
+            </a:r>
+            <a:endParaRPr lang="fr-FR" dirty="0"/>
+          </a:p>
+        </p:txBody>
+      </p:sp>
+      <p:pic>
+        <p:nvPicPr>
+          <p:cNvPr id="6146" name="Picture 2" descr="F:\Nicolas\Documents\OpenClassRoom\Projet 4 - retard avion\reg_late.png"/>
+          <p:cNvPicPr>
+            <a:picLocks noChangeAspect="1" noChangeArrowheads="1"/>
+          </p:cNvPicPr>
+          <p:nvPr/>
+        </p:nvPicPr>
+        <p:blipFill rotWithShape="1">
+          <a:blip r:embed="rId2">
+            <a:clrChange>
+              <a:clrFrom>
+                <a:srgbClr val="FFFFFF"/>
+              </a:clrFrom>
+              <a:clrTo>
+                <a:srgbClr val="FFFFFF">
+                  <a:alpha val="0"/>
+                </a:srgbClr>
+              </a:clrTo>
+            </a:clrChange>
+            <a:extLst>
+              <a:ext uri="{28A0092B-C50C-407E-A947-70E740481C1C}">
+                <a14:useLocalDpi xmlns:a14="http://schemas.microsoft.com/office/drawing/2010/main" val="0"/>
+              </a:ext>
+            </a:extLst>
+          </a:blip>
+          <a:srcRect l="7575" t="8239" r="8188" b="8149"/>
+          <a:stretch/>
+        </p:blipFill>
+        <p:spPr bwMode="auto">
+          <a:xfrm>
+            <a:off x="3707905" y="2121034"/>
+            <a:ext cx="5432668" cy="4044270"/>
+          </a:xfrm>
+          <a:prstGeom prst="rect">
+            <a:avLst/>
+          </a:prstGeom>
+          <a:noFill/>
+          <a:extLst>
+            <a:ext uri="{909E8E84-426E-40DD-AFC4-6F175D3DCCD1}">
+              <a14:hiddenFill xmlns:a14="http://schemas.microsoft.com/office/drawing/2010/main">
+                <a:solidFill>
+                  <a:srgbClr val="FFFFFF"/>
+                </a:solidFill>
+              </a14:hiddenFill>
+            </a:ext>
+          </a:extLst>
+        </p:spPr>
+      </p:pic>
+    </p:spTree>
+    <p:extLst>
+      <p:ext uri="{BB962C8B-B14F-4D97-AF65-F5344CB8AC3E}">
+        <p14:creationId xmlns:p14="http://schemas.microsoft.com/office/powerpoint/2010/main" val="415599637"/>
+      </p:ext>
+    </p:extLst>
+  </p:cSld>
+  <p:clrMapOvr>
+    <a:masterClrMapping/>
+  </p:clrMapOvr>
+  <p:timing>
+    <p:tnLst>
+      <p:par>
+        <p:cTn id="1" dur="indefinite" restart="never" nodeType="tmRoot"/>
+      </p:par>
+    </p:tnLst>
+  </p:timing>
+</p:sld>
+</file>
+
+<file path=ppt/slides/slide11.xml><?xml version="1.0" encoding="utf-8"?>
+<p:sld xmlns:a="http://schemas.openxmlformats.org/drawingml/2006/main" xmlns:r="http://schemas.openxmlformats.org/officeDocument/2006/relationships" xmlns:p="http://schemas.openxmlformats.org/presentationml/2006/main">
+  <p:cSld>
+    <p:spTree>
+      <p:nvGrpSpPr>
+        <p:cNvPr id="1" name=""/>
+        <p:cNvGrpSpPr/>
+        <p:nvPr/>
+      </p:nvGrpSpPr>
+      <p:grpSpPr>
+        <a:xfrm>
+          <a:off x="0" y="0"/>
+          <a:ext cx="0" cy="0"/>
+          <a:chOff x="0" y="0"/>
+          <a:chExt cx="0" cy="0"/>
+        </a:xfrm>
+      </p:grpSpPr>
+      <p:sp>
+        <p:nvSpPr>
+          <p:cNvPr id="2" name="Titre 1"/>
+          <p:cNvSpPr>
+            <a:spLocks noGrp="1"/>
+          </p:cNvSpPr>
+          <p:nvPr>
+            <p:ph type="title"/>
+          </p:nvPr>
+        </p:nvSpPr>
+        <p:spPr/>
+        <p:txBody>
+          <a:bodyPr/>
+          <a:lstStyle/>
+          <a:p>
+            <a:r>
+              <a:rPr lang="fr-FR" dirty="0" smtClean="0"/>
+              <a:t>Exploration</a:t>
+            </a:r>
+            <a:endParaRPr lang="fr-FR" dirty="0"/>
+          </a:p>
+        </p:txBody>
+      </p:sp>
+      <p:sp>
+        <p:nvSpPr>
+          <p:cNvPr id="3" name="Espace réservé du contenu 2"/>
+          <p:cNvSpPr>
+            <a:spLocks noGrp="1"/>
+          </p:cNvSpPr>
+          <p:nvPr>
+            <p:ph idx="1"/>
+          </p:nvPr>
+        </p:nvSpPr>
+        <p:spPr/>
+        <p:txBody>
+          <a:bodyPr>
+            <a:normAutofit/>
+          </a:bodyPr>
+          <a:lstStyle/>
+          <a:p>
+            <a:r>
+              <a:rPr lang="fr-FR" sz="2800" dirty="0" smtClean="0">
+                <a:solidFill>
+                  <a:srgbClr val="E8750C"/>
+                </a:solidFill>
+              </a:rPr>
+              <a:t>Retard par Date</a:t>
+            </a:r>
+          </a:p>
+          <a:p>
+            <a:pPr lvl="1"/>
+            <a:r>
+              <a:rPr lang="fr-FR" sz="2400" dirty="0" smtClean="0">
+                <a:solidFill>
+                  <a:srgbClr val="E8750C"/>
+                </a:solidFill>
+              </a:rPr>
+              <a:t>Par heure et date</a:t>
+            </a:r>
+          </a:p>
+          <a:p>
+            <a:pPr lvl="2"/>
+            <a:r>
+              <a:rPr lang="fr-FR" sz="2000" dirty="0" smtClean="0">
+                <a:solidFill>
+                  <a:srgbClr val="E8750C"/>
+                </a:solidFill>
+              </a:rPr>
+              <a:t>Peu d’</a:t>
+            </a:r>
+            <a:r>
+              <a:rPr lang="fr-FR" sz="2000" dirty="0" err="1" smtClean="0">
+                <a:solidFill>
+                  <a:srgbClr val="E8750C"/>
+                </a:solidFill>
+              </a:rPr>
+              <a:t>interet</a:t>
+            </a:r>
+            <a:endParaRPr lang="fr-FR" sz="2000" dirty="0" smtClean="0">
+              <a:solidFill>
+                <a:srgbClr val="E8750C"/>
+              </a:solidFill>
+            </a:endParaRPr>
+          </a:p>
+          <a:p>
+            <a:pPr lvl="2"/>
+            <a:r>
+              <a:rPr lang="fr-FR" sz="2000" dirty="0" smtClean="0">
+                <a:solidFill>
+                  <a:srgbClr val="E8750C"/>
+                </a:solidFill>
+              </a:rPr>
+              <a:t>Impact de l’heure</a:t>
+            </a:r>
+          </a:p>
+          <a:p>
+            <a:pPr lvl="2"/>
+            <a:r>
+              <a:rPr lang="fr-FR" sz="2000" dirty="0" smtClean="0">
+                <a:solidFill>
+                  <a:srgbClr val="E8750C"/>
+                </a:solidFill>
+              </a:rPr>
+              <a:t>Régulier par jours</a:t>
+            </a:r>
+          </a:p>
+        </p:txBody>
+      </p:sp>
+      <p:sp>
+        <p:nvSpPr>
+          <p:cNvPr id="4" name="Espace réservé de la date 3"/>
+          <p:cNvSpPr>
+            <a:spLocks noGrp="1"/>
+          </p:cNvSpPr>
+          <p:nvPr>
+            <p:ph type="dt" sz="half" idx="10"/>
+          </p:nvPr>
+        </p:nvSpPr>
+        <p:spPr/>
+        <p:txBody>
+          <a:bodyPr/>
+          <a:lstStyle/>
+          <a:p>
+            <a:fld id="{30547005-2CCE-4AAF-810C-C33FB4661996}" type="datetime1">
+              <a:rPr lang="fr-FR" smtClean="0"/>
+              <a:t>21/11/2017</a:t>
+            </a:fld>
+            <a:endParaRPr lang="fr-FR"/>
+          </a:p>
+        </p:txBody>
+      </p:sp>
+      <p:sp>
+        <p:nvSpPr>
+          <p:cNvPr id="5" name="Espace réservé du pied de page 4"/>
+          <p:cNvSpPr>
+            <a:spLocks noGrp="1"/>
+          </p:cNvSpPr>
+          <p:nvPr>
+            <p:ph type="ftr" sz="quarter" idx="11"/>
+          </p:nvPr>
+        </p:nvSpPr>
+        <p:spPr/>
+        <p:txBody>
+          <a:bodyPr/>
+          <a:lstStyle/>
+          <a:p>
+            <a:r>
+              <a:rPr lang="fr-FR" dirty="0" smtClean="0"/>
+              <a:t>MINE Nicolas</a:t>
+            </a:r>
+            <a:endParaRPr lang="fr-FR" dirty="0"/>
+          </a:p>
+        </p:txBody>
+      </p:sp>
+      <p:pic>
+        <p:nvPicPr>
+          <p:cNvPr id="7170" name="Picture 2" descr="F:\Nicolas\Documents\OpenClassRoom\Projet 4 - retard avion\joinplot_date_time.png"/>
+          <p:cNvPicPr>
+            <a:picLocks noChangeAspect="1" noChangeArrowheads="1"/>
+          </p:cNvPicPr>
+          <p:nvPr/>
+        </p:nvPicPr>
+        <p:blipFill>
+          <a:blip r:embed="rId2">
+            <a:extLst>
+              <a:ext uri="{28A0092B-C50C-407E-A947-70E740481C1C}">
+                <a14:useLocalDpi xmlns:a14="http://schemas.microsoft.com/office/drawing/2010/main" val="0"/>
+              </a:ext>
+            </a:extLst>
+          </a:blip>
+          <a:srcRect/>
+          <a:stretch>
+            <a:fillRect/>
+          </a:stretch>
+        </p:blipFill>
+        <p:spPr bwMode="auto">
+          <a:xfrm>
+            <a:off x="3923928" y="1268760"/>
+            <a:ext cx="4976936" cy="4976936"/>
+          </a:xfrm>
+          <a:prstGeom prst="rect">
+            <a:avLst/>
+          </a:prstGeom>
+          <a:ln>
+            <a:noFill/>
+          </a:ln>
+          <a:effectLst>
+            <a:softEdge rad="112500"/>
+          </a:effectLst>
+          <a:extLst>
+            <a:ext uri="{909E8E84-426E-40DD-AFC4-6F175D3DCCD1}">
+              <a14:hiddenFill xmlns:a14="http://schemas.microsoft.com/office/drawing/2010/main">
+                <a:solidFill>
+                  <a:srgbClr val="FFFFFF"/>
+                </a:solidFill>
+              </a14:hiddenFill>
+            </a:ext>
+          </a:extLst>
+        </p:spPr>
+      </p:pic>
+    </p:spTree>
+    <p:extLst>
+      <p:ext uri="{BB962C8B-B14F-4D97-AF65-F5344CB8AC3E}">
+        <p14:creationId xmlns:p14="http://schemas.microsoft.com/office/powerpoint/2010/main" val="153775835"/>
+      </p:ext>
+    </p:extLst>
+  </p:cSld>
+  <p:clrMapOvr>
+    <a:masterClrMapping/>
+  </p:clrMapOvr>
+  <p:timing>
+    <p:tnLst>
+      <p:par>
+        <p:cTn id="1" dur="indefinite" restart="never" nodeType="tmRoot"/>
+      </p:par>
+    </p:tnLst>
+  </p:timing>
+</p:sld>
+</file>
+
+<file path=ppt/slides/slide12.xml><?xml version="1.0" encoding="utf-8"?>
+<p:sld xmlns:a="http://schemas.openxmlformats.org/drawingml/2006/main" xmlns:r="http://schemas.openxmlformats.org/officeDocument/2006/relationships" xmlns:p="http://schemas.openxmlformats.org/presentationml/2006/main">
+  <p:cSld>
+    <p:spTree>
+      <p:nvGrpSpPr>
+        <p:cNvPr id="1" name=""/>
+        <p:cNvGrpSpPr/>
+        <p:nvPr/>
+      </p:nvGrpSpPr>
+      <p:grpSpPr>
+        <a:xfrm>
+          <a:off x="0" y="0"/>
+          <a:ext cx="0" cy="0"/>
+          <a:chOff x="0" y="0"/>
+          <a:chExt cx="0" cy="0"/>
+        </a:xfrm>
+      </p:grpSpPr>
+      <p:sp>
+        <p:nvSpPr>
+          <p:cNvPr id="2" name="Titre 1"/>
+          <p:cNvSpPr>
+            <a:spLocks noGrp="1"/>
+          </p:cNvSpPr>
+          <p:nvPr>
+            <p:ph type="title"/>
+          </p:nvPr>
+        </p:nvSpPr>
+        <p:spPr/>
+        <p:txBody>
+          <a:bodyPr/>
+          <a:lstStyle/>
+          <a:p>
+            <a:r>
+              <a:rPr lang="fr-FR" dirty="0" smtClean="0"/>
+              <a:t>Exploration</a:t>
+            </a:r>
+            <a:endParaRPr lang="fr-FR" dirty="0"/>
+          </a:p>
+        </p:txBody>
+      </p:sp>
+      <p:sp>
+        <p:nvSpPr>
+          <p:cNvPr id="3" name="Espace réservé du contenu 2"/>
+          <p:cNvSpPr>
+            <a:spLocks noGrp="1"/>
+          </p:cNvSpPr>
+          <p:nvPr>
+            <p:ph idx="1"/>
+          </p:nvPr>
+        </p:nvSpPr>
+        <p:spPr/>
+        <p:txBody>
+          <a:bodyPr>
+            <a:normAutofit/>
+          </a:bodyPr>
+          <a:lstStyle/>
+          <a:p>
+            <a:r>
+              <a:rPr lang="fr-FR" sz="2800" dirty="0" smtClean="0">
+                <a:solidFill>
+                  <a:srgbClr val="E8750C"/>
+                </a:solidFill>
+              </a:rPr>
+              <a:t>Retard par Date</a:t>
+            </a:r>
+          </a:p>
+          <a:p>
+            <a:pPr lvl="1"/>
+            <a:r>
+              <a:rPr lang="fr-FR" sz="2400" dirty="0" smtClean="0">
+                <a:solidFill>
+                  <a:srgbClr val="E8750C"/>
+                </a:solidFill>
+              </a:rPr>
+              <a:t>Jour de la semaine</a:t>
+            </a:r>
+          </a:p>
+          <a:p>
+            <a:pPr lvl="1"/>
+            <a:endParaRPr lang="fr-FR" sz="2400" dirty="0" smtClean="0">
+              <a:solidFill>
+                <a:srgbClr val="E8750C"/>
+              </a:solidFill>
+            </a:endParaRPr>
+          </a:p>
+        </p:txBody>
+      </p:sp>
+      <p:sp>
+        <p:nvSpPr>
+          <p:cNvPr id="4" name="Espace réservé de la date 3"/>
+          <p:cNvSpPr>
+            <a:spLocks noGrp="1"/>
+          </p:cNvSpPr>
+          <p:nvPr>
+            <p:ph type="dt" sz="half" idx="10"/>
+          </p:nvPr>
+        </p:nvSpPr>
+        <p:spPr/>
+        <p:txBody>
+          <a:bodyPr/>
+          <a:lstStyle/>
+          <a:p>
+            <a:fld id="{30547005-2CCE-4AAF-810C-C33FB4661996}" type="datetime1">
+              <a:rPr lang="fr-FR" smtClean="0"/>
+              <a:t>21/11/2017</a:t>
+            </a:fld>
+            <a:endParaRPr lang="fr-FR"/>
+          </a:p>
+        </p:txBody>
+      </p:sp>
+      <p:sp>
+        <p:nvSpPr>
+          <p:cNvPr id="5" name="Espace réservé du pied de page 4"/>
+          <p:cNvSpPr>
+            <a:spLocks noGrp="1"/>
+          </p:cNvSpPr>
+          <p:nvPr>
+            <p:ph type="ftr" sz="quarter" idx="11"/>
+          </p:nvPr>
+        </p:nvSpPr>
+        <p:spPr/>
+        <p:txBody>
+          <a:bodyPr/>
+          <a:lstStyle/>
+          <a:p>
+            <a:r>
+              <a:rPr lang="fr-FR" dirty="0" smtClean="0"/>
+              <a:t>MINE Nicolas</a:t>
+            </a:r>
+            <a:endParaRPr lang="fr-FR" dirty="0"/>
+          </a:p>
+        </p:txBody>
+      </p:sp>
+      <p:pic>
+        <p:nvPicPr>
+          <p:cNvPr id="2052" name="Picture 4" descr="F:\Nicolas\Documents\OpenClassRoom\Projet 4 - retard avion\day_late.png"/>
+          <p:cNvPicPr>
+            <a:picLocks noChangeAspect="1" noChangeArrowheads="1"/>
+          </p:cNvPicPr>
+          <p:nvPr/>
+        </p:nvPicPr>
+        <p:blipFill>
+          <a:blip r:embed="rId2">
+            <a:clrChange>
+              <a:clrFrom>
+                <a:srgbClr val="FFFFFF"/>
+              </a:clrFrom>
+              <a:clrTo>
+                <a:srgbClr val="FFFFFF">
+                  <a:alpha val="0"/>
+                </a:srgbClr>
+              </a:clrTo>
+            </a:clrChange>
+            <a:extLst>
+              <a:ext uri="{28A0092B-C50C-407E-A947-70E740481C1C}">
+                <a14:useLocalDpi xmlns:a14="http://schemas.microsoft.com/office/drawing/2010/main" val="0"/>
+              </a:ext>
+            </a:extLst>
+          </a:blip>
+          <a:srcRect/>
+          <a:stretch>
+            <a:fillRect/>
+          </a:stretch>
+        </p:blipFill>
+        <p:spPr bwMode="auto">
+          <a:xfrm>
+            <a:off x="1475656" y="2114854"/>
+            <a:ext cx="6191374" cy="4643531"/>
+          </a:xfrm>
+          <a:prstGeom prst="rect">
+            <a:avLst/>
+          </a:prstGeom>
+          <a:noFill/>
+          <a:extLst>
+            <a:ext uri="{909E8E84-426E-40DD-AFC4-6F175D3DCCD1}">
+              <a14:hiddenFill xmlns:a14="http://schemas.microsoft.com/office/drawing/2010/main">
+                <a:solidFill>
+                  <a:srgbClr val="FFFFFF"/>
+                </a:solidFill>
+              </a14:hiddenFill>
+            </a:ext>
+          </a:extLst>
+        </p:spPr>
+      </p:pic>
+    </p:spTree>
+    <p:extLst>
+      <p:ext uri="{BB962C8B-B14F-4D97-AF65-F5344CB8AC3E}">
+        <p14:creationId xmlns:p14="http://schemas.microsoft.com/office/powerpoint/2010/main" val="1897751097"/>
+      </p:ext>
+    </p:extLst>
+  </p:cSld>
+  <p:clrMapOvr>
+    <a:masterClrMapping/>
+  </p:clrMapOvr>
+  <p:timing>
+    <p:tnLst>
+      <p:par>
+        <p:cTn id="1" dur="indefinite" restart="never" nodeType="tmRoot"/>
+      </p:par>
+    </p:tnLst>
+  </p:timing>
+</p:sld>
+</file>
+
+<file path=ppt/slides/slide13.xml><?xml version="1.0" encoding="utf-8"?>
+<p:sld xmlns:a="http://schemas.openxmlformats.org/drawingml/2006/main" xmlns:r="http://schemas.openxmlformats.org/officeDocument/2006/relationships" xmlns:p="http://schemas.openxmlformats.org/presentationml/2006/main">
+  <p:cSld>
+    <p:spTree>
+      <p:nvGrpSpPr>
+        <p:cNvPr id="1" name=""/>
+        <p:cNvGrpSpPr/>
+        <p:nvPr/>
+      </p:nvGrpSpPr>
+      <p:grpSpPr>
+        <a:xfrm>
+          <a:off x="0" y="0"/>
+          <a:ext cx="0" cy="0"/>
+          <a:chOff x="0" y="0"/>
+          <a:chExt cx="0" cy="0"/>
+        </a:xfrm>
+      </p:grpSpPr>
+      <p:sp>
+        <p:nvSpPr>
+          <p:cNvPr id="2" name="Titre 1"/>
+          <p:cNvSpPr>
+            <a:spLocks noGrp="1"/>
+          </p:cNvSpPr>
+          <p:nvPr>
+            <p:ph type="title"/>
+          </p:nvPr>
+        </p:nvSpPr>
+        <p:spPr/>
+        <p:txBody>
+          <a:bodyPr/>
+          <a:lstStyle/>
+          <a:p>
+            <a:r>
+              <a:rPr lang="fr-FR" dirty="0" smtClean="0"/>
+              <a:t>Exploration</a:t>
+            </a:r>
+            <a:endParaRPr lang="fr-FR" dirty="0"/>
+          </a:p>
+        </p:txBody>
+      </p:sp>
+      <p:sp>
+        <p:nvSpPr>
+          <p:cNvPr id="3" name="Espace réservé du contenu 2"/>
+          <p:cNvSpPr>
+            <a:spLocks noGrp="1"/>
+          </p:cNvSpPr>
+          <p:nvPr>
+            <p:ph idx="1"/>
+          </p:nvPr>
+        </p:nvSpPr>
+        <p:spPr/>
+        <p:txBody>
+          <a:bodyPr>
+            <a:normAutofit/>
+          </a:bodyPr>
+          <a:lstStyle/>
+          <a:p>
+            <a:r>
+              <a:rPr lang="fr-FR" sz="2800" dirty="0" smtClean="0">
+                <a:solidFill>
+                  <a:srgbClr val="E8750C"/>
+                </a:solidFill>
+              </a:rPr>
+              <a:t>Retard par Date</a:t>
+            </a:r>
+          </a:p>
+          <a:p>
+            <a:pPr lvl="1"/>
+            <a:r>
+              <a:rPr lang="fr-FR" sz="2400" dirty="0" smtClean="0">
+                <a:solidFill>
+                  <a:srgbClr val="E8750C"/>
+                </a:solidFill>
+              </a:rPr>
+              <a:t>Jour et Mois de l’année</a:t>
+            </a:r>
+          </a:p>
+          <a:p>
+            <a:pPr lvl="2"/>
+            <a:r>
+              <a:rPr lang="fr-FR" sz="2000" dirty="0" smtClean="0">
+                <a:solidFill>
+                  <a:srgbClr val="E8750C"/>
+                </a:solidFill>
+              </a:rPr>
+              <a:t>Très irrégulier</a:t>
+            </a:r>
+          </a:p>
+          <a:p>
+            <a:pPr lvl="2"/>
+            <a:r>
+              <a:rPr lang="fr-FR" sz="2000" dirty="0" smtClean="0">
+                <a:solidFill>
+                  <a:srgbClr val="E8750C"/>
+                </a:solidFill>
+              </a:rPr>
+              <a:t>Pic Juin/Juillet/Aout</a:t>
+            </a:r>
+          </a:p>
+          <a:p>
+            <a:pPr lvl="2"/>
+            <a:r>
+              <a:rPr lang="fr-FR" sz="2000" dirty="0" smtClean="0">
+                <a:solidFill>
+                  <a:srgbClr val="E8750C"/>
+                </a:solidFill>
+              </a:rPr>
+              <a:t>Pic vers </a:t>
+            </a:r>
+            <a:r>
+              <a:rPr lang="fr-FR" sz="2000" dirty="0" err="1" smtClean="0">
+                <a:solidFill>
+                  <a:srgbClr val="E8750C"/>
+                </a:solidFill>
+              </a:rPr>
+              <a:t>noel</a:t>
+            </a:r>
+            <a:endParaRPr lang="fr-FR" sz="2000" dirty="0" smtClean="0">
+              <a:solidFill>
+                <a:srgbClr val="E8750C"/>
+              </a:solidFill>
+            </a:endParaRPr>
+          </a:p>
+          <a:p>
+            <a:pPr lvl="2"/>
+            <a:endParaRPr lang="fr-FR" sz="2000" dirty="0">
+              <a:solidFill>
+                <a:srgbClr val="E8750C"/>
+              </a:solidFill>
+            </a:endParaRPr>
+          </a:p>
+          <a:p>
+            <a:pPr lvl="1"/>
+            <a:r>
+              <a:rPr lang="fr-FR" dirty="0" smtClean="0">
+                <a:solidFill>
+                  <a:srgbClr val="E8750C"/>
+                </a:solidFill>
+              </a:rPr>
+              <a:t>Possibilité OHE</a:t>
+            </a:r>
+          </a:p>
+          <a:p>
+            <a:pPr lvl="2"/>
+            <a:r>
+              <a:rPr lang="fr-FR" dirty="0" smtClean="0">
+                <a:solidFill>
+                  <a:srgbClr val="E8750C"/>
+                </a:solidFill>
+              </a:rPr>
+              <a:t>31 + 12 dimensions</a:t>
+            </a:r>
+          </a:p>
+          <a:p>
+            <a:pPr lvl="2"/>
+            <a:r>
+              <a:rPr lang="fr-FR" dirty="0" smtClean="0">
+                <a:solidFill>
+                  <a:srgbClr val="E8750C"/>
+                </a:solidFill>
+              </a:rPr>
+              <a:t>Solution 1</a:t>
+            </a:r>
+          </a:p>
+        </p:txBody>
+      </p:sp>
+      <p:sp>
+        <p:nvSpPr>
+          <p:cNvPr id="4" name="Espace réservé de la date 3"/>
+          <p:cNvSpPr>
+            <a:spLocks noGrp="1"/>
+          </p:cNvSpPr>
+          <p:nvPr>
+            <p:ph type="dt" sz="half" idx="10"/>
+          </p:nvPr>
+        </p:nvSpPr>
+        <p:spPr/>
+        <p:txBody>
+          <a:bodyPr/>
+          <a:lstStyle/>
+          <a:p>
+            <a:fld id="{30547005-2CCE-4AAF-810C-C33FB4661996}" type="datetime1">
+              <a:rPr lang="fr-FR" smtClean="0"/>
+              <a:t>21/11/2017</a:t>
+            </a:fld>
+            <a:endParaRPr lang="fr-FR"/>
+          </a:p>
+        </p:txBody>
+      </p:sp>
+      <p:sp>
+        <p:nvSpPr>
+          <p:cNvPr id="5" name="Espace réservé du pied de page 4"/>
+          <p:cNvSpPr>
+            <a:spLocks noGrp="1"/>
+          </p:cNvSpPr>
+          <p:nvPr>
+            <p:ph type="ftr" sz="quarter" idx="11"/>
+          </p:nvPr>
+        </p:nvSpPr>
+        <p:spPr/>
+        <p:txBody>
+          <a:bodyPr/>
+          <a:lstStyle/>
+          <a:p>
+            <a:r>
+              <a:rPr lang="fr-FR" dirty="0" smtClean="0"/>
+              <a:t>MINE Nicolas</a:t>
+            </a:r>
+            <a:endParaRPr lang="fr-FR" dirty="0"/>
+          </a:p>
+        </p:txBody>
+      </p:sp>
+      <p:pic>
+        <p:nvPicPr>
+          <p:cNvPr id="3074" name="Picture 2" descr="F:\Nicolas\Documents\OpenClassRoom\Projet 4 - retard avion\joinplot_date_month.png"/>
+          <p:cNvPicPr>
+            <a:picLocks noChangeAspect="1" noChangeArrowheads="1"/>
+          </p:cNvPicPr>
+          <p:nvPr/>
+        </p:nvPicPr>
+        <p:blipFill>
+          <a:blip r:embed="rId2">
+            <a:clrChange>
+              <a:clrFrom>
+                <a:srgbClr val="FFFFFF"/>
+              </a:clrFrom>
+              <a:clrTo>
+                <a:srgbClr val="FFFFFF">
+                  <a:alpha val="0"/>
+                </a:srgbClr>
+              </a:clrTo>
+            </a:clrChange>
+            <a:extLst>
+              <a:ext uri="{28A0092B-C50C-407E-A947-70E740481C1C}">
+                <a14:useLocalDpi xmlns:a14="http://schemas.microsoft.com/office/drawing/2010/main" val="0"/>
+              </a:ext>
+            </a:extLst>
+          </a:blip>
+          <a:srcRect/>
+          <a:stretch>
+            <a:fillRect/>
+          </a:stretch>
+        </p:blipFill>
+        <p:spPr bwMode="auto">
+          <a:xfrm>
+            <a:off x="4644008" y="1988840"/>
+            <a:ext cx="4384650" cy="4384650"/>
+          </a:xfrm>
+          <a:prstGeom prst="rect">
+            <a:avLst/>
+          </a:prstGeom>
+          <a:noFill/>
+          <a:extLst>
+            <a:ext uri="{909E8E84-426E-40DD-AFC4-6F175D3DCCD1}">
+              <a14:hiddenFill xmlns:a14="http://schemas.microsoft.com/office/drawing/2010/main">
+                <a:solidFill>
+                  <a:srgbClr val="FFFFFF"/>
+                </a:solidFill>
+              </a14:hiddenFill>
+            </a:ext>
+          </a:extLst>
+        </p:spPr>
+      </p:pic>
+    </p:spTree>
+    <p:extLst>
+      <p:ext uri="{BB962C8B-B14F-4D97-AF65-F5344CB8AC3E}">
+        <p14:creationId xmlns:p14="http://schemas.microsoft.com/office/powerpoint/2010/main" val="3895469872"/>
+      </p:ext>
+    </p:extLst>
+  </p:cSld>
+  <p:clrMapOvr>
+    <a:masterClrMapping/>
+  </p:clrMapOvr>
+  <p:timing>
+    <p:tnLst>
+      <p:par>
+        <p:cTn id="1" dur="indefinite" restart="never" nodeType="tmRoot"/>
+      </p:par>
+    </p:tnLst>
+  </p:timing>
+</p:sld>
+</file>
+
+<file path=ppt/slides/slide14.xml><?xml version="1.0" encoding="utf-8"?>
+<p:sld xmlns:a="http://schemas.openxmlformats.org/drawingml/2006/main" xmlns:r="http://schemas.openxmlformats.org/officeDocument/2006/relationships" xmlns:p="http://schemas.openxmlformats.org/presentationml/2006/main">
+  <p:cSld>
+    <p:spTree>
+      <p:nvGrpSpPr>
+        <p:cNvPr id="1" name=""/>
+        <p:cNvGrpSpPr/>
+        <p:nvPr/>
+      </p:nvGrpSpPr>
+      <p:grpSpPr>
+        <a:xfrm>
+          <a:off x="0" y="0"/>
+          <a:ext cx="0" cy="0"/>
+          <a:chOff x="0" y="0"/>
+          <a:chExt cx="0" cy="0"/>
+        </a:xfrm>
+      </p:grpSpPr>
+      <p:sp>
+        <p:nvSpPr>
+          <p:cNvPr id="2" name="Titre 1"/>
+          <p:cNvSpPr>
+            <a:spLocks noGrp="1"/>
+          </p:cNvSpPr>
+          <p:nvPr>
+            <p:ph type="title"/>
+          </p:nvPr>
+        </p:nvSpPr>
+        <p:spPr/>
+        <p:txBody>
+          <a:bodyPr/>
+          <a:lstStyle/>
+          <a:p>
+            <a:r>
+              <a:rPr lang="fr-FR" dirty="0" smtClean="0"/>
+              <a:t>Exploration</a:t>
+            </a:r>
+            <a:endParaRPr lang="fr-FR" dirty="0"/>
+          </a:p>
+        </p:txBody>
+      </p:sp>
+      <p:sp>
+        <p:nvSpPr>
+          <p:cNvPr id="3" name="Espace réservé du contenu 2"/>
+          <p:cNvSpPr>
+            <a:spLocks noGrp="1"/>
+          </p:cNvSpPr>
+          <p:nvPr>
+            <p:ph idx="1"/>
+          </p:nvPr>
+        </p:nvSpPr>
+        <p:spPr/>
+        <p:txBody>
+          <a:bodyPr>
+            <a:normAutofit/>
+          </a:bodyPr>
+          <a:lstStyle/>
+          <a:p>
+            <a:r>
+              <a:rPr lang="fr-FR" sz="2800" dirty="0" smtClean="0">
+                <a:solidFill>
+                  <a:srgbClr val="E8750C"/>
+                </a:solidFill>
+              </a:rPr>
+              <a:t>Retard par Date</a:t>
+            </a:r>
+          </a:p>
+          <a:p>
+            <a:pPr lvl="1"/>
+            <a:r>
+              <a:rPr lang="fr-FR" sz="2400" dirty="0" smtClean="0">
+                <a:solidFill>
+                  <a:srgbClr val="E8750C"/>
+                </a:solidFill>
+              </a:rPr>
+              <a:t>Par semaine</a:t>
+            </a:r>
+          </a:p>
+          <a:p>
+            <a:pPr lvl="2"/>
+            <a:r>
+              <a:rPr lang="fr-FR" sz="2000" dirty="0" smtClean="0">
+                <a:solidFill>
+                  <a:srgbClr val="E8750C"/>
+                </a:solidFill>
+              </a:rPr>
+              <a:t>Irrégulier mais peu variable</a:t>
+            </a:r>
+          </a:p>
+          <a:p>
+            <a:pPr lvl="2"/>
+            <a:r>
+              <a:rPr lang="fr-FR" sz="2000" dirty="0" smtClean="0">
+                <a:solidFill>
+                  <a:srgbClr val="E8750C"/>
+                </a:solidFill>
+              </a:rPr>
+              <a:t>Pic Juin/Juillet/Aout</a:t>
+            </a:r>
+          </a:p>
+          <a:p>
+            <a:pPr lvl="2"/>
+            <a:r>
+              <a:rPr lang="fr-FR" sz="2000" dirty="0" smtClean="0">
+                <a:solidFill>
+                  <a:srgbClr val="E8750C"/>
+                </a:solidFill>
+              </a:rPr>
+              <a:t>Pic vers noël</a:t>
+            </a:r>
+          </a:p>
+          <a:p>
+            <a:pPr lvl="2"/>
+            <a:endParaRPr lang="fr-FR" sz="2000" dirty="0">
+              <a:solidFill>
+                <a:srgbClr val="E8750C"/>
+              </a:solidFill>
+            </a:endParaRPr>
+          </a:p>
+          <a:p>
+            <a:pPr lvl="1"/>
+            <a:r>
+              <a:rPr lang="fr-FR" dirty="0" smtClean="0">
+                <a:solidFill>
+                  <a:srgbClr val="E8750C"/>
+                </a:solidFill>
+              </a:rPr>
+              <a:t>Possibilité OHE</a:t>
+            </a:r>
+          </a:p>
+          <a:p>
+            <a:pPr lvl="2"/>
+            <a:r>
+              <a:rPr lang="fr-FR" dirty="0" smtClean="0">
+                <a:solidFill>
+                  <a:srgbClr val="E8750C"/>
+                </a:solidFill>
+              </a:rPr>
+              <a:t>53 dimensions</a:t>
+            </a:r>
+          </a:p>
+          <a:p>
+            <a:pPr lvl="2"/>
+            <a:r>
+              <a:rPr lang="fr-FR" dirty="0">
+                <a:solidFill>
+                  <a:srgbClr val="E8750C"/>
+                </a:solidFill>
+              </a:rPr>
+              <a:t>Solution 2</a:t>
+            </a:r>
+          </a:p>
+          <a:p>
+            <a:pPr lvl="2"/>
+            <a:endParaRPr lang="fr-FR" sz="2000" dirty="0" smtClean="0">
+              <a:solidFill>
+                <a:srgbClr val="E8750C"/>
+              </a:solidFill>
+            </a:endParaRPr>
+          </a:p>
+        </p:txBody>
+      </p:sp>
+      <p:sp>
+        <p:nvSpPr>
+          <p:cNvPr id="4" name="Espace réservé de la date 3"/>
+          <p:cNvSpPr>
+            <a:spLocks noGrp="1"/>
+          </p:cNvSpPr>
+          <p:nvPr>
+            <p:ph type="dt" sz="half" idx="10"/>
+          </p:nvPr>
+        </p:nvSpPr>
+        <p:spPr/>
+        <p:txBody>
+          <a:bodyPr/>
+          <a:lstStyle/>
+          <a:p>
+            <a:fld id="{30547005-2CCE-4AAF-810C-C33FB4661996}" type="datetime1">
+              <a:rPr lang="fr-FR" smtClean="0"/>
+              <a:t>21/11/2017</a:t>
+            </a:fld>
+            <a:endParaRPr lang="fr-FR"/>
+          </a:p>
+        </p:txBody>
+      </p:sp>
+      <p:sp>
+        <p:nvSpPr>
+          <p:cNvPr id="5" name="Espace réservé du pied de page 4"/>
+          <p:cNvSpPr>
+            <a:spLocks noGrp="1"/>
+          </p:cNvSpPr>
+          <p:nvPr>
+            <p:ph type="ftr" sz="quarter" idx="11"/>
+          </p:nvPr>
+        </p:nvSpPr>
+        <p:spPr/>
+        <p:txBody>
+          <a:bodyPr/>
+          <a:lstStyle/>
+          <a:p>
+            <a:r>
+              <a:rPr lang="fr-FR" dirty="0" smtClean="0"/>
+              <a:t>MINE Nicolas</a:t>
+            </a:r>
+            <a:endParaRPr lang="fr-FR" dirty="0"/>
+          </a:p>
+        </p:txBody>
+      </p:sp>
+      <p:pic>
+        <p:nvPicPr>
+          <p:cNvPr id="4098" name="Picture 2" descr="F:\Nicolas\Documents\OpenClassRoom\Projet 4 - retard avion\week_late.png"/>
+          <p:cNvPicPr>
+            <a:picLocks noChangeAspect="1" noChangeArrowheads="1"/>
+          </p:cNvPicPr>
+          <p:nvPr/>
+        </p:nvPicPr>
+        <p:blipFill>
+          <a:blip r:embed="rId2">
+            <a:clrChange>
+              <a:clrFrom>
+                <a:srgbClr val="FFFFFF"/>
+              </a:clrFrom>
+              <a:clrTo>
+                <a:srgbClr val="FFFFFF">
+                  <a:alpha val="0"/>
+                </a:srgbClr>
+              </a:clrTo>
+            </a:clrChange>
+            <a:extLst>
+              <a:ext uri="{28A0092B-C50C-407E-A947-70E740481C1C}">
+                <a14:useLocalDpi xmlns:a14="http://schemas.microsoft.com/office/drawing/2010/main" val="0"/>
+              </a:ext>
+            </a:extLst>
+          </a:blip>
+          <a:srcRect/>
+          <a:stretch>
+            <a:fillRect/>
+          </a:stretch>
+        </p:blipFill>
+        <p:spPr bwMode="auto">
+          <a:xfrm>
+            <a:off x="3707904" y="2524590"/>
+            <a:ext cx="5814392" cy="4360794"/>
+          </a:xfrm>
+          <a:prstGeom prst="rect">
+            <a:avLst/>
+          </a:prstGeom>
+          <a:noFill/>
+          <a:extLst>
+            <a:ext uri="{909E8E84-426E-40DD-AFC4-6F175D3DCCD1}">
+              <a14:hiddenFill xmlns:a14="http://schemas.microsoft.com/office/drawing/2010/main">
+                <a:solidFill>
+                  <a:srgbClr val="FFFFFF"/>
+                </a:solidFill>
+              </a14:hiddenFill>
+            </a:ext>
+          </a:extLst>
+        </p:spPr>
+      </p:pic>
+    </p:spTree>
+    <p:extLst>
+      <p:ext uri="{BB962C8B-B14F-4D97-AF65-F5344CB8AC3E}">
+        <p14:creationId xmlns:p14="http://schemas.microsoft.com/office/powerpoint/2010/main" val="2534804435"/>
+      </p:ext>
+    </p:extLst>
+  </p:cSld>
+  <p:clrMapOvr>
+    <a:masterClrMapping/>
+  </p:clrMapOvr>
+  <p:timing>
+    <p:tnLst>
+      <p:par>
+        <p:cTn id="1" dur="indefinite" restart="never" nodeType="tmRoot"/>
+      </p:par>
+    </p:tnLst>
+  </p:timing>
+</p:sld>
+</file>
+
+<file path=ppt/slides/slide15.xml><?xml version="1.0" encoding="utf-8"?>
+<p:sld xmlns:a="http://schemas.openxmlformats.org/drawingml/2006/main" xmlns:r="http://schemas.openxmlformats.org/officeDocument/2006/relationships" xmlns:p="http://schemas.openxmlformats.org/presentationml/2006/main">
+  <p:cSld>
+    <p:spTree>
+      <p:nvGrpSpPr>
+        <p:cNvPr id="1" name=""/>
+        <p:cNvGrpSpPr/>
+        <p:nvPr/>
+      </p:nvGrpSpPr>
+      <p:grpSpPr>
+        <a:xfrm>
+          <a:off x="0" y="0"/>
+          <a:ext cx="0" cy="0"/>
+          <a:chOff x="0" y="0"/>
+          <a:chExt cx="0" cy="0"/>
+        </a:xfrm>
+      </p:grpSpPr>
+      <p:pic>
+        <p:nvPicPr>
+          <p:cNvPr id="2050" name="Picture 2" descr="F:\Nicolas\Documents\OpenClassRoom\InitiationMachineLearning-Python-3-scikit-overview.png"/>
+          <p:cNvPicPr>
+            <a:picLocks noChangeAspect="1" noChangeArrowheads="1"/>
+          </p:cNvPicPr>
+          <p:nvPr/>
+        </p:nvPicPr>
+        <p:blipFill>
+          <a:blip r:embed="rId2" cstate="print">
+            <a:clrChange>
+              <a:clrFrom>
+                <a:srgbClr val="FEFEFE">
+                  <a:alpha val="96863"/>
+                </a:srgbClr>
+              </a:clrFrom>
+              <a:clrTo>
+                <a:srgbClr val="FEFEFE">
+                  <a:alpha val="0"/>
+                </a:srgbClr>
+              </a:clrTo>
+            </a:clrChange>
+            <a:extLst>
+              <a:ext uri="{28A0092B-C50C-407E-A947-70E740481C1C}">
+                <a14:useLocalDpi xmlns:a14="http://schemas.microsoft.com/office/drawing/2010/main" val="0"/>
+              </a:ext>
+            </a:extLst>
+          </a:blip>
+          <a:srcRect/>
+          <a:stretch>
+            <a:fillRect/>
+          </a:stretch>
+        </p:blipFill>
+        <p:spPr bwMode="auto">
+          <a:xfrm>
+            <a:off x="4283968" y="3827924"/>
+            <a:ext cx="4665340" cy="2589264"/>
+          </a:xfrm>
+          <a:prstGeom prst="rect">
+            <a:avLst/>
+          </a:prstGeom>
+          <a:noFill/>
+          <a:extLst>
+            <a:ext uri="{909E8E84-426E-40DD-AFC4-6F175D3DCCD1}">
+              <a14:hiddenFill xmlns:a14="http://schemas.microsoft.com/office/drawing/2010/main">
+                <a:solidFill>
+                  <a:srgbClr val="FFFFFF"/>
+                </a:solidFill>
+              </a14:hiddenFill>
+            </a:ext>
+          </a:extLst>
+        </p:spPr>
+      </p:pic>
+      <p:sp>
+        <p:nvSpPr>
+          <p:cNvPr id="2" name="Titre 1"/>
+          <p:cNvSpPr>
+            <a:spLocks noGrp="1"/>
+          </p:cNvSpPr>
+          <p:nvPr>
+            <p:ph type="title"/>
+          </p:nvPr>
+        </p:nvSpPr>
+        <p:spPr/>
+        <p:txBody>
+          <a:bodyPr/>
+          <a:lstStyle/>
+          <a:p>
+            <a:r>
+              <a:rPr lang="fr-FR" dirty="0" smtClean="0"/>
+              <a:t>Modélisation</a:t>
+            </a:r>
+            <a:endParaRPr lang="fr-FR" dirty="0"/>
+          </a:p>
+        </p:txBody>
+      </p:sp>
+      <p:sp>
+        <p:nvSpPr>
+          <p:cNvPr id="13" name="Espace réservé du contenu 12"/>
+          <p:cNvSpPr>
+            <a:spLocks noGrp="1"/>
+          </p:cNvSpPr>
+          <p:nvPr>
+            <p:ph idx="1"/>
+          </p:nvPr>
+        </p:nvSpPr>
+        <p:spPr/>
+        <p:txBody>
+          <a:bodyPr/>
+          <a:lstStyle/>
+          <a:p>
+            <a:r>
+              <a:rPr lang="fr-FR" sz="2800" dirty="0" smtClean="0">
+                <a:solidFill>
+                  <a:srgbClr val="E8750C"/>
+                </a:solidFill>
+              </a:rPr>
+              <a:t>Choix des modèles</a:t>
+            </a:r>
+          </a:p>
+          <a:p>
+            <a:pPr lvl="1"/>
+            <a:r>
+              <a:rPr lang="fr-FR" sz="2400" dirty="0" err="1" smtClean="0">
+                <a:solidFill>
+                  <a:srgbClr val="E8750C"/>
+                </a:solidFill>
+              </a:rPr>
+              <a:t>Std</a:t>
+            </a:r>
+            <a:r>
+              <a:rPr lang="fr-FR" sz="2400" dirty="0" smtClean="0">
+                <a:solidFill>
+                  <a:srgbClr val="E8750C"/>
+                </a:solidFill>
+              </a:rPr>
+              <a:t>. </a:t>
+            </a:r>
+            <a:r>
+              <a:rPr lang="fr-FR" sz="2400" dirty="0" err="1" smtClean="0">
+                <a:solidFill>
+                  <a:srgbClr val="E8750C"/>
+                </a:solidFill>
+              </a:rPr>
+              <a:t>Regression</a:t>
+            </a:r>
+            <a:r>
+              <a:rPr lang="fr-FR" sz="2400" dirty="0" smtClean="0">
+                <a:solidFill>
+                  <a:srgbClr val="E8750C"/>
+                </a:solidFill>
+              </a:rPr>
+              <a:t> </a:t>
+            </a:r>
+            <a:r>
+              <a:rPr lang="fr-FR" sz="2400" dirty="0" err="1" smtClean="0">
+                <a:solidFill>
+                  <a:srgbClr val="E8750C"/>
+                </a:solidFill>
+              </a:rPr>
+              <a:t>Lineaire</a:t>
+            </a:r>
+            <a:endParaRPr lang="fr-FR" sz="2400" dirty="0" smtClean="0">
+              <a:solidFill>
+                <a:srgbClr val="E8750C"/>
+              </a:solidFill>
+            </a:endParaRPr>
+          </a:p>
+          <a:p>
+            <a:pPr lvl="1"/>
+            <a:r>
+              <a:rPr lang="fr-FR" sz="2400" dirty="0" smtClean="0">
+                <a:solidFill>
+                  <a:srgbClr val="E8750C"/>
+                </a:solidFill>
+              </a:rPr>
+              <a:t>Batch GD </a:t>
+            </a:r>
+            <a:r>
+              <a:rPr lang="fr-FR" sz="2400" dirty="0" err="1" smtClean="0">
+                <a:solidFill>
+                  <a:srgbClr val="E8750C"/>
+                </a:solidFill>
+              </a:rPr>
+              <a:t>Regressor</a:t>
+            </a:r>
+            <a:endParaRPr lang="fr-FR" sz="2400" dirty="0" smtClean="0">
+              <a:solidFill>
+                <a:srgbClr val="E8750C"/>
+              </a:solidFill>
+            </a:endParaRPr>
+          </a:p>
+          <a:p>
+            <a:pPr lvl="1"/>
+            <a:r>
+              <a:rPr lang="fr-FR" sz="2400" dirty="0" err="1" smtClean="0">
+                <a:solidFill>
+                  <a:srgbClr val="E8750C"/>
+                </a:solidFill>
+              </a:rPr>
+              <a:t>Stochastic</a:t>
+            </a:r>
+            <a:r>
+              <a:rPr lang="fr-FR" sz="2400" dirty="0" smtClean="0">
+                <a:solidFill>
+                  <a:srgbClr val="E8750C"/>
+                </a:solidFill>
+              </a:rPr>
+              <a:t> GD </a:t>
+            </a:r>
+            <a:r>
+              <a:rPr lang="fr-FR" sz="2400" dirty="0" err="1" smtClean="0">
+                <a:solidFill>
+                  <a:srgbClr val="E8750C"/>
+                </a:solidFill>
+              </a:rPr>
+              <a:t>Regressor</a:t>
+            </a:r>
+            <a:endParaRPr lang="fr-FR" sz="2400" dirty="0" smtClean="0">
+              <a:solidFill>
+                <a:srgbClr val="E8750C"/>
+              </a:solidFill>
+            </a:endParaRPr>
+          </a:p>
+          <a:p>
+            <a:pPr lvl="1"/>
+            <a:r>
+              <a:rPr lang="fr-FR" sz="2400" dirty="0" err="1" smtClean="0">
+                <a:solidFill>
+                  <a:srgbClr val="E8750C"/>
+                </a:solidFill>
+              </a:rPr>
+              <a:t>Boosting</a:t>
+            </a:r>
+            <a:r>
+              <a:rPr lang="fr-FR" sz="2400" dirty="0" smtClean="0">
+                <a:solidFill>
+                  <a:srgbClr val="E8750C"/>
+                </a:solidFill>
+              </a:rPr>
+              <a:t> (avec SGD Reg.)</a:t>
+            </a:r>
+          </a:p>
+          <a:p>
+            <a:pPr lvl="1"/>
+            <a:r>
+              <a:rPr lang="fr-FR" sz="2400" dirty="0" smtClean="0">
+                <a:solidFill>
+                  <a:srgbClr val="E8750C"/>
+                </a:solidFill>
+              </a:rPr>
+              <a:t>Ensembles Learning</a:t>
+            </a:r>
+          </a:p>
+          <a:p>
+            <a:pPr lvl="1"/>
+            <a:r>
+              <a:rPr lang="fr-FR" sz="2400" dirty="0" smtClean="0">
+                <a:solidFill>
+                  <a:srgbClr val="E8750C"/>
+                </a:solidFill>
+              </a:rPr>
+              <a:t>Simple ANN</a:t>
+            </a:r>
+          </a:p>
+          <a:p>
+            <a:pPr lvl="1"/>
+            <a:r>
+              <a:rPr lang="fr-FR" sz="2400" dirty="0" smtClean="0">
+                <a:solidFill>
+                  <a:srgbClr val="E8750C"/>
+                </a:solidFill>
+              </a:rPr>
+              <a:t>KNN </a:t>
+            </a:r>
+            <a:r>
+              <a:rPr lang="fr-FR" sz="2400" dirty="0" err="1" smtClean="0">
+                <a:solidFill>
+                  <a:srgbClr val="E8750C"/>
+                </a:solidFill>
+              </a:rPr>
+              <a:t>Regression</a:t>
+            </a:r>
+            <a:endParaRPr lang="fr-FR" sz="2400" dirty="0" smtClean="0">
+              <a:solidFill>
+                <a:srgbClr val="E8750C"/>
+              </a:solidFill>
+            </a:endParaRPr>
+          </a:p>
+          <a:p>
+            <a:pPr lvl="1"/>
+            <a:r>
+              <a:rPr lang="fr-FR" sz="2400" dirty="0" smtClean="0">
+                <a:solidFill>
+                  <a:srgbClr val="E8750C"/>
+                </a:solidFill>
+              </a:rPr>
+              <a:t>SVM </a:t>
+            </a:r>
+            <a:r>
+              <a:rPr lang="fr-FR" sz="2400" dirty="0" err="1" smtClean="0">
+                <a:solidFill>
+                  <a:srgbClr val="E8750C"/>
+                </a:solidFill>
+              </a:rPr>
+              <a:t>Regression</a:t>
+            </a:r>
+            <a:endParaRPr lang="fr-FR" sz="2400" dirty="0" smtClean="0">
+              <a:solidFill>
+                <a:srgbClr val="E8750C"/>
+              </a:solidFill>
+            </a:endParaRPr>
+          </a:p>
+          <a:p>
+            <a:pPr lvl="1"/>
+            <a:endParaRPr lang="fr-FR" dirty="0" smtClean="0"/>
+          </a:p>
+          <a:p>
+            <a:pPr lvl="1"/>
+            <a:endParaRPr lang="fr-FR" dirty="0"/>
+          </a:p>
+        </p:txBody>
+      </p:sp>
+      <p:sp>
+        <p:nvSpPr>
+          <p:cNvPr id="4" name="Espace réservé de la date 3"/>
+          <p:cNvSpPr>
+            <a:spLocks noGrp="1"/>
+          </p:cNvSpPr>
+          <p:nvPr>
+            <p:ph type="dt" sz="half" idx="10"/>
+          </p:nvPr>
+        </p:nvSpPr>
+        <p:spPr/>
+        <p:txBody>
+          <a:bodyPr/>
+          <a:lstStyle/>
+          <a:p>
+            <a:fld id="{30547005-2CCE-4AAF-810C-C33FB4661996}" type="datetime1">
+              <a:rPr lang="fr-FR" smtClean="0"/>
+              <a:t>21/11/2017</a:t>
+            </a:fld>
+            <a:endParaRPr lang="fr-FR"/>
+          </a:p>
+        </p:txBody>
+      </p:sp>
+      <p:sp>
+        <p:nvSpPr>
+          <p:cNvPr id="5" name="Espace réservé du pied de page 4"/>
+          <p:cNvSpPr>
+            <a:spLocks noGrp="1"/>
+          </p:cNvSpPr>
+          <p:nvPr>
+            <p:ph type="ftr" sz="quarter" idx="11"/>
+          </p:nvPr>
+        </p:nvSpPr>
+        <p:spPr/>
+        <p:txBody>
+          <a:bodyPr/>
+          <a:lstStyle/>
+          <a:p>
+            <a:r>
+              <a:rPr lang="fr-FR" dirty="0" smtClean="0"/>
+              <a:t>MINE Nicolas</a:t>
+            </a:r>
+            <a:endParaRPr lang="fr-FR" dirty="0"/>
+          </a:p>
+        </p:txBody>
+      </p:sp>
+    </p:spTree>
+    <p:extLst>
+      <p:ext uri="{BB962C8B-B14F-4D97-AF65-F5344CB8AC3E}">
+        <p14:creationId xmlns:p14="http://schemas.microsoft.com/office/powerpoint/2010/main" val="2825897348"/>
+      </p:ext>
+    </p:extLst>
+  </p:cSld>
+  <p:clrMapOvr>
+    <a:masterClrMapping/>
+  </p:clrMapOvr>
+  <p:timing>
+    <p:tnLst>
+      <p:par>
+        <p:cTn id="1" dur="indefinite" restart="never" nodeType="tmRoot"/>
+      </p:par>
+    </p:tnLst>
+  </p:timing>
+</p:sld>
+</file>
+
+<file path=ppt/slides/slide16.xml><?xml version="1.0" encoding="utf-8"?>
+<p:sld xmlns:a="http://schemas.openxmlformats.org/drawingml/2006/main" xmlns:r="http://schemas.openxmlformats.org/officeDocument/2006/relationships" xmlns:p="http://schemas.openxmlformats.org/presentationml/2006/main">
+  <p:cSld>
+    <p:spTree>
+      <p:nvGrpSpPr>
+        <p:cNvPr id="1" name=""/>
+        <p:cNvGrpSpPr/>
+        <p:nvPr/>
+      </p:nvGrpSpPr>
+      <p:grpSpPr>
+        <a:xfrm>
+          <a:off x="0" y="0"/>
+          <a:ext cx="0" cy="0"/>
+          <a:chOff x="0" y="0"/>
+          <a:chExt cx="0" cy="0"/>
+        </a:xfrm>
+      </p:grpSpPr>
+      <p:sp>
+        <p:nvSpPr>
+          <p:cNvPr id="2" name="Titre 1"/>
+          <p:cNvSpPr>
+            <a:spLocks noGrp="1"/>
+          </p:cNvSpPr>
+          <p:nvPr>
+            <p:ph type="title"/>
+          </p:nvPr>
+        </p:nvSpPr>
+        <p:spPr/>
+        <p:txBody>
+          <a:bodyPr/>
+          <a:lstStyle/>
+          <a:p>
+            <a:r>
+              <a:rPr lang="fr-FR" dirty="0" smtClean="0"/>
+              <a:t>Modélisation</a:t>
+            </a:r>
+            <a:endParaRPr lang="fr-FR" dirty="0"/>
+          </a:p>
+        </p:txBody>
+      </p:sp>
+      <p:sp>
+        <p:nvSpPr>
+          <p:cNvPr id="6" name="Espace réservé du texte 5"/>
+          <p:cNvSpPr>
+            <a:spLocks noGrp="1"/>
+          </p:cNvSpPr>
+          <p:nvPr>
+            <p:ph type="body" idx="1"/>
+          </p:nvPr>
+        </p:nvSpPr>
+        <p:spPr/>
+        <p:txBody>
+          <a:bodyPr/>
+          <a:lstStyle/>
+          <a:p>
+            <a:pPr algn="ctr"/>
+            <a:r>
+              <a:rPr lang="fr-FR" dirty="0" smtClean="0"/>
+              <a:t>Modèle Jour / mois</a:t>
+            </a:r>
+            <a:endParaRPr lang="fr-FR" dirty="0"/>
+          </a:p>
+        </p:txBody>
+      </p:sp>
+      <p:sp>
+        <p:nvSpPr>
+          <p:cNvPr id="3" name="Espace réservé du contenu 2"/>
+          <p:cNvSpPr>
+            <a:spLocks noGrp="1"/>
+          </p:cNvSpPr>
+          <p:nvPr>
+            <p:ph sz="half" idx="2"/>
+          </p:nvPr>
+        </p:nvSpPr>
+        <p:spPr/>
+        <p:txBody>
+          <a:bodyPr>
+            <a:normAutofit/>
+          </a:bodyPr>
+          <a:lstStyle/>
+          <a:p>
+            <a:r>
+              <a:rPr lang="fr-FR" sz="2000" dirty="0" smtClean="0">
+                <a:solidFill>
+                  <a:srgbClr val="E8750C"/>
+                </a:solidFill>
+              </a:rPr>
+              <a:t>5,25 millions de lignes</a:t>
+            </a:r>
+          </a:p>
+          <a:p>
+            <a:r>
+              <a:rPr lang="fr-FR" sz="2000" dirty="0" smtClean="0">
+                <a:solidFill>
+                  <a:srgbClr val="E8750C"/>
+                </a:solidFill>
+              </a:rPr>
+              <a:t>55 </a:t>
+            </a:r>
+            <a:r>
+              <a:rPr lang="fr-FR" sz="2000" dirty="0" err="1" smtClean="0">
+                <a:solidFill>
+                  <a:srgbClr val="E8750C"/>
+                </a:solidFill>
+              </a:rPr>
+              <a:t>features</a:t>
+            </a:r>
+            <a:r>
+              <a:rPr lang="fr-FR" sz="2000" dirty="0" smtClean="0">
+                <a:solidFill>
+                  <a:srgbClr val="E8750C"/>
+                </a:solidFill>
+              </a:rPr>
+              <a:t> ( dont 51 OHE)</a:t>
+            </a:r>
+          </a:p>
+          <a:p>
+            <a:pPr lvl="1"/>
+            <a:r>
+              <a:rPr lang="fr-FR" sz="1800" dirty="0" err="1" smtClean="0">
+                <a:solidFill>
+                  <a:srgbClr val="E8750C"/>
+                </a:solidFill>
+              </a:rPr>
+              <a:t>sparse</a:t>
+            </a:r>
+            <a:r>
+              <a:rPr lang="fr-FR" sz="1800" dirty="0" smtClean="0">
+                <a:solidFill>
+                  <a:srgbClr val="E8750C"/>
+                </a:solidFill>
+              </a:rPr>
+              <a:t> matrices</a:t>
+            </a:r>
+          </a:p>
+          <a:p>
+            <a:pPr lvl="2"/>
+            <a:endParaRPr lang="fr-FR" dirty="0">
+              <a:solidFill>
+                <a:srgbClr val="E8750C"/>
+              </a:solidFill>
+            </a:endParaRPr>
+          </a:p>
+          <a:p>
+            <a:endParaRPr lang="fr-FR" dirty="0" smtClean="0">
+              <a:solidFill>
+                <a:srgbClr val="E8750C"/>
+              </a:solidFill>
+            </a:endParaRPr>
+          </a:p>
+        </p:txBody>
+      </p:sp>
+      <p:sp>
+        <p:nvSpPr>
+          <p:cNvPr id="7" name="Espace réservé du texte 6"/>
+          <p:cNvSpPr>
+            <a:spLocks noGrp="1"/>
+          </p:cNvSpPr>
+          <p:nvPr>
+            <p:ph type="body" sz="quarter" idx="3"/>
+          </p:nvPr>
+        </p:nvSpPr>
+        <p:spPr/>
+        <p:txBody>
+          <a:bodyPr/>
+          <a:lstStyle/>
+          <a:p>
+            <a:pPr algn="ctr"/>
+            <a:r>
+              <a:rPr lang="fr-FR" dirty="0" smtClean="0"/>
+              <a:t>Modèle Semaines</a:t>
+            </a:r>
+            <a:endParaRPr lang="fr-FR" dirty="0"/>
+          </a:p>
+        </p:txBody>
+      </p:sp>
+      <p:sp>
+        <p:nvSpPr>
+          <p:cNvPr id="8" name="Espace réservé du contenu 7"/>
+          <p:cNvSpPr>
+            <a:spLocks noGrp="1"/>
+          </p:cNvSpPr>
+          <p:nvPr>
+            <p:ph sz="quarter" idx="4"/>
+          </p:nvPr>
+        </p:nvSpPr>
+        <p:spPr/>
+        <p:txBody>
+          <a:bodyPr/>
+          <a:lstStyle/>
+          <a:p>
+            <a:pPr marL="342900" lvl="1" indent="-342900">
+              <a:buFont typeface="Arial" pitchFamily="34" charset="0"/>
+              <a:buChar char="•"/>
+            </a:pPr>
+            <a:r>
+              <a:rPr lang="fr-FR" sz="1800" dirty="0">
+                <a:solidFill>
+                  <a:srgbClr val="E8750C"/>
+                </a:solidFill>
+              </a:rPr>
+              <a:t>5,25 millions de lignes</a:t>
+            </a:r>
+          </a:p>
+          <a:p>
+            <a:r>
+              <a:rPr lang="fr-FR" sz="2000" dirty="0" smtClean="0">
+                <a:solidFill>
+                  <a:srgbClr val="E8750C"/>
+                </a:solidFill>
+              </a:rPr>
+              <a:t>65 </a:t>
+            </a:r>
+            <a:r>
+              <a:rPr lang="fr-FR" sz="2000" dirty="0" err="1">
+                <a:solidFill>
+                  <a:srgbClr val="E8750C"/>
+                </a:solidFill>
+              </a:rPr>
+              <a:t>features</a:t>
+            </a:r>
+            <a:r>
+              <a:rPr lang="fr-FR" sz="2000" dirty="0">
+                <a:solidFill>
+                  <a:srgbClr val="E8750C"/>
+                </a:solidFill>
+              </a:rPr>
+              <a:t> ( dont </a:t>
+            </a:r>
+            <a:r>
+              <a:rPr lang="fr-FR" sz="2000" dirty="0" smtClean="0">
+                <a:solidFill>
+                  <a:srgbClr val="E8750C"/>
+                </a:solidFill>
+              </a:rPr>
+              <a:t>61 </a:t>
+            </a:r>
+            <a:r>
+              <a:rPr lang="fr-FR" sz="2000" dirty="0">
+                <a:solidFill>
+                  <a:srgbClr val="E8750C"/>
+                </a:solidFill>
+              </a:rPr>
+              <a:t>OHE)</a:t>
+            </a:r>
+          </a:p>
+          <a:p>
+            <a:pPr lvl="1"/>
+            <a:r>
+              <a:rPr lang="fr-FR" sz="1800" dirty="0" err="1">
+                <a:solidFill>
+                  <a:srgbClr val="E8750C"/>
+                </a:solidFill>
+              </a:rPr>
+              <a:t>sparse</a:t>
+            </a:r>
+            <a:r>
+              <a:rPr lang="fr-FR" sz="1800" dirty="0">
+                <a:solidFill>
+                  <a:srgbClr val="E8750C"/>
+                </a:solidFill>
+              </a:rPr>
+              <a:t> matrices</a:t>
+            </a:r>
+          </a:p>
+          <a:p>
+            <a:endParaRPr lang="fr-FR" dirty="0"/>
+          </a:p>
+        </p:txBody>
+      </p:sp>
+      <p:sp>
+        <p:nvSpPr>
+          <p:cNvPr id="4" name="Espace réservé de la date 3"/>
+          <p:cNvSpPr>
+            <a:spLocks noGrp="1"/>
+          </p:cNvSpPr>
+          <p:nvPr>
+            <p:ph type="dt" sz="half" idx="10"/>
+          </p:nvPr>
+        </p:nvSpPr>
+        <p:spPr/>
+        <p:txBody>
+          <a:bodyPr/>
+          <a:lstStyle/>
+          <a:p>
+            <a:fld id="{30547005-2CCE-4AAF-810C-C33FB4661996}" type="datetime1">
+              <a:rPr lang="fr-FR" smtClean="0"/>
+              <a:t>21/11/2017</a:t>
+            </a:fld>
+            <a:endParaRPr lang="fr-FR"/>
+          </a:p>
+        </p:txBody>
+      </p:sp>
+      <p:sp>
+        <p:nvSpPr>
+          <p:cNvPr id="5" name="Espace réservé du pied de page 4"/>
+          <p:cNvSpPr>
+            <a:spLocks noGrp="1"/>
+          </p:cNvSpPr>
+          <p:nvPr>
+            <p:ph type="ftr" sz="quarter" idx="11"/>
+          </p:nvPr>
+        </p:nvSpPr>
+        <p:spPr/>
+        <p:txBody>
+          <a:bodyPr/>
+          <a:lstStyle/>
+          <a:p>
+            <a:r>
+              <a:rPr lang="fr-FR" dirty="0" smtClean="0"/>
+              <a:t>MINE Nicolas</a:t>
+            </a:r>
+            <a:endParaRPr lang="fr-FR" dirty="0"/>
+          </a:p>
+        </p:txBody>
+      </p:sp>
+      <p:pic>
+        <p:nvPicPr>
+          <p:cNvPr id="1027" name="Picture 3" descr="F:\Nicolas\Documents\OpenClassRoom\Projet 4 - retard avion\performance_test.png"/>
+          <p:cNvPicPr>
+            <a:picLocks noChangeAspect="1" noChangeArrowheads="1"/>
+          </p:cNvPicPr>
+          <p:nvPr/>
+        </p:nvPicPr>
+        <p:blipFill>
+          <a:blip r:embed="rId2">
+            <a:clrChange>
+              <a:clrFrom>
+                <a:srgbClr val="FFFFFF"/>
+              </a:clrFrom>
+              <a:clrTo>
+                <a:srgbClr val="FFFFFF">
+                  <a:alpha val="0"/>
+                </a:srgbClr>
+              </a:clrTo>
+            </a:clrChange>
+            <a:extLst>
+              <a:ext uri="{28A0092B-C50C-407E-A947-70E740481C1C}">
+                <a14:useLocalDpi xmlns:a14="http://schemas.microsoft.com/office/drawing/2010/main" val="0"/>
+              </a:ext>
+            </a:extLst>
+          </a:blip>
+          <a:srcRect/>
+          <a:stretch>
+            <a:fillRect/>
+          </a:stretch>
+        </p:blipFill>
+        <p:spPr bwMode="auto">
+          <a:xfrm>
+            <a:off x="1835696" y="2924944"/>
+            <a:ext cx="5328592" cy="3552908"/>
+          </a:xfrm>
+          <a:prstGeom prst="rect">
+            <a:avLst/>
+          </a:prstGeom>
+          <a:noFill/>
+          <a:extLst>
+            <a:ext uri="{909E8E84-426E-40DD-AFC4-6F175D3DCCD1}">
+              <a14:hiddenFill xmlns:a14="http://schemas.microsoft.com/office/drawing/2010/main">
+                <a:solidFill>
+                  <a:srgbClr val="FFFFFF"/>
+                </a:solidFill>
+              </a14:hiddenFill>
+            </a:ext>
+          </a:extLst>
+        </p:spPr>
+      </p:pic>
+    </p:spTree>
+    <p:extLst>
+      <p:ext uri="{BB962C8B-B14F-4D97-AF65-F5344CB8AC3E}">
+        <p14:creationId xmlns:p14="http://schemas.microsoft.com/office/powerpoint/2010/main" val="21931265"/>
+      </p:ext>
+    </p:extLst>
+  </p:cSld>
+  <p:clrMapOvr>
+    <a:masterClrMapping/>
+  </p:clrMapOvr>
+  <p:timing>
+    <p:tnLst>
+      <p:par>
+        <p:cTn id="1" dur="indefinite" restart="never" nodeType="tmRoot"/>
+      </p:par>
+    </p:tnLst>
+  </p:timing>
+</p:sld>
+</file>
+
+<file path=ppt/slides/slide17.xml><?xml version="1.0" encoding="utf-8"?>
+<p:sld xmlns:a="http://schemas.openxmlformats.org/drawingml/2006/main" xmlns:r="http://schemas.openxmlformats.org/officeDocument/2006/relationships" xmlns:p="http://schemas.openxmlformats.org/presentationml/2006/main">
+  <p:cSld>
+    <p:spTree>
+      <p:nvGrpSpPr>
+        <p:cNvPr id="1" name=""/>
+        <p:cNvGrpSpPr/>
+        <p:nvPr/>
+      </p:nvGrpSpPr>
+      <p:grpSpPr>
+        <a:xfrm>
+          <a:off x="0" y="0"/>
+          <a:ext cx="0" cy="0"/>
+          <a:chOff x="0" y="0"/>
+          <a:chExt cx="0" cy="0"/>
+        </a:xfrm>
+      </p:grpSpPr>
+      <p:sp>
+        <p:nvSpPr>
+          <p:cNvPr id="2" name="Titre 1"/>
+          <p:cNvSpPr>
+            <a:spLocks noGrp="1"/>
+          </p:cNvSpPr>
+          <p:nvPr>
+            <p:ph type="title"/>
+          </p:nvPr>
+        </p:nvSpPr>
+        <p:spPr/>
+        <p:txBody>
+          <a:bodyPr/>
+          <a:lstStyle/>
+          <a:p>
+            <a:r>
+              <a:rPr lang="fr-FR" dirty="0" smtClean="0"/>
+              <a:t>Modélisation</a:t>
+            </a:r>
+            <a:endParaRPr lang="fr-FR" dirty="0"/>
+          </a:p>
+        </p:txBody>
+      </p:sp>
+      <p:sp>
+        <p:nvSpPr>
+          <p:cNvPr id="3" name="Espace réservé du contenu 2"/>
+          <p:cNvSpPr>
+            <a:spLocks noGrp="1"/>
+          </p:cNvSpPr>
+          <p:nvPr>
+            <p:ph idx="1"/>
+          </p:nvPr>
+        </p:nvSpPr>
+        <p:spPr/>
+        <p:txBody>
+          <a:bodyPr>
+            <a:normAutofit/>
+          </a:bodyPr>
+          <a:lstStyle/>
+          <a:p>
+            <a:r>
+              <a:rPr lang="fr-FR" sz="2400" dirty="0" smtClean="0">
+                <a:solidFill>
+                  <a:srgbClr val="E8750C"/>
+                </a:solidFill>
+              </a:rPr>
+              <a:t>Modèle choisi – </a:t>
+            </a:r>
+            <a:r>
+              <a:rPr lang="fr-FR" sz="2400" u="sng" dirty="0" smtClean="0">
+                <a:solidFill>
+                  <a:srgbClr val="E8750C"/>
+                </a:solidFill>
+              </a:rPr>
+              <a:t>Semaines</a:t>
+            </a:r>
+          </a:p>
+          <a:p>
+            <a:pPr lvl="1"/>
+            <a:r>
+              <a:rPr lang="fr-FR" sz="2000" dirty="0" smtClean="0">
+                <a:solidFill>
+                  <a:srgbClr val="E8750C"/>
+                </a:solidFill>
+              </a:rPr>
+              <a:t>Plus logique</a:t>
+            </a:r>
+          </a:p>
+          <a:p>
+            <a:pPr lvl="1"/>
+            <a:r>
+              <a:rPr lang="fr-FR" sz="2000" dirty="0" smtClean="0">
+                <a:solidFill>
+                  <a:srgbClr val="E8750C"/>
+                </a:solidFill>
+              </a:rPr>
+              <a:t>Meilleur ANN/SGD </a:t>
+            </a:r>
+            <a:r>
+              <a:rPr lang="fr-FR" sz="2000" dirty="0" err="1" smtClean="0">
+                <a:solidFill>
+                  <a:srgbClr val="E8750C"/>
+                </a:solidFill>
+              </a:rPr>
+              <a:t>Regressor</a:t>
+            </a:r>
+            <a:endParaRPr lang="fr-FR" sz="2000" dirty="0" smtClean="0">
+              <a:solidFill>
+                <a:srgbClr val="E8750C"/>
+              </a:solidFill>
+            </a:endParaRPr>
+          </a:p>
+          <a:p>
+            <a:pPr lvl="2"/>
+            <a:r>
+              <a:rPr lang="fr-FR" sz="1800" dirty="0" smtClean="0">
+                <a:solidFill>
+                  <a:srgbClr val="E8750C"/>
+                </a:solidFill>
+              </a:rPr>
+              <a:t>Doutes sur le </a:t>
+            </a:r>
+            <a:r>
+              <a:rPr lang="fr-FR" sz="1800" dirty="0" err="1" smtClean="0">
+                <a:solidFill>
+                  <a:srgbClr val="E8750C"/>
+                </a:solidFill>
+              </a:rPr>
+              <a:t>Boosting</a:t>
+            </a:r>
+            <a:endParaRPr lang="fr-FR" sz="2000" dirty="0">
+              <a:solidFill>
+                <a:srgbClr val="E8750C"/>
+              </a:solidFill>
+            </a:endParaRPr>
+          </a:p>
+          <a:p>
+            <a:r>
+              <a:rPr lang="fr-FR" sz="2400" dirty="0" smtClean="0">
+                <a:solidFill>
+                  <a:srgbClr val="E8750C"/>
+                </a:solidFill>
+              </a:rPr>
+              <a:t>SGD </a:t>
+            </a:r>
+            <a:r>
+              <a:rPr lang="fr-FR" sz="2400" dirty="0" err="1" smtClean="0">
+                <a:solidFill>
+                  <a:srgbClr val="E8750C"/>
+                </a:solidFill>
+              </a:rPr>
+              <a:t>Regressor</a:t>
+            </a:r>
+            <a:r>
+              <a:rPr lang="fr-FR" sz="2400" dirty="0" smtClean="0">
+                <a:solidFill>
+                  <a:srgbClr val="E8750C"/>
+                </a:solidFill>
+              </a:rPr>
+              <a:t> &amp; </a:t>
+            </a:r>
+            <a:r>
+              <a:rPr lang="fr-FR" sz="2400" dirty="0" err="1" smtClean="0">
+                <a:solidFill>
+                  <a:srgbClr val="E8750C"/>
+                </a:solidFill>
+              </a:rPr>
+              <a:t>Boosting</a:t>
+            </a:r>
+            <a:endParaRPr lang="fr-FR" sz="2400" dirty="0" smtClean="0">
+              <a:solidFill>
+                <a:srgbClr val="E8750C"/>
+              </a:solidFill>
+            </a:endParaRPr>
+          </a:p>
+          <a:p>
+            <a:pPr lvl="1"/>
+            <a:r>
+              <a:rPr lang="fr-FR" sz="2000" dirty="0" smtClean="0">
+                <a:solidFill>
+                  <a:srgbClr val="E8750C"/>
+                </a:solidFill>
+              </a:rPr>
+              <a:t>Optimisation au </a:t>
+            </a:r>
+            <a:r>
+              <a:rPr lang="fr-FR" sz="2000" dirty="0" err="1" smtClean="0">
+                <a:solidFill>
+                  <a:srgbClr val="E8750C"/>
+                </a:solidFill>
+              </a:rPr>
+              <a:t>Grid</a:t>
+            </a:r>
+            <a:r>
+              <a:rPr lang="fr-FR" sz="2000" dirty="0" smtClean="0">
+                <a:solidFill>
+                  <a:srgbClr val="E8750C"/>
+                </a:solidFill>
+              </a:rPr>
+              <a:t> </a:t>
+            </a:r>
+            <a:r>
+              <a:rPr lang="fr-FR" sz="2000" dirty="0" err="1" smtClean="0">
+                <a:solidFill>
+                  <a:srgbClr val="E8750C"/>
+                </a:solidFill>
+              </a:rPr>
+              <a:t>Search</a:t>
+            </a:r>
+            <a:endParaRPr lang="fr-FR" sz="2000" dirty="0" smtClean="0">
+              <a:solidFill>
+                <a:srgbClr val="E8750C"/>
+              </a:solidFill>
+            </a:endParaRPr>
+          </a:p>
+          <a:p>
+            <a:pPr lvl="1"/>
+            <a:r>
+              <a:rPr lang="fr-FR" sz="2000" dirty="0" smtClean="0">
+                <a:solidFill>
+                  <a:srgbClr val="E8750C"/>
+                </a:solidFill>
+              </a:rPr>
+              <a:t>Test avec ou sans OHE Groupe </a:t>
+            </a:r>
+            <a:r>
+              <a:rPr lang="fr-FR" sz="2000" dirty="0" err="1" smtClean="0">
+                <a:solidFill>
+                  <a:srgbClr val="E8750C"/>
+                </a:solidFill>
+              </a:rPr>
+              <a:t>Aeroport</a:t>
+            </a:r>
+            <a:endParaRPr lang="fr-FR" sz="2000" dirty="0" smtClean="0">
+              <a:solidFill>
+                <a:srgbClr val="E8750C"/>
+              </a:solidFill>
+            </a:endParaRPr>
+          </a:p>
+        </p:txBody>
+      </p:sp>
+      <p:sp>
+        <p:nvSpPr>
+          <p:cNvPr id="4" name="Espace réservé de la date 3"/>
+          <p:cNvSpPr>
+            <a:spLocks noGrp="1"/>
+          </p:cNvSpPr>
+          <p:nvPr>
+            <p:ph type="dt" sz="half" idx="10"/>
+          </p:nvPr>
+        </p:nvSpPr>
+        <p:spPr/>
+        <p:txBody>
+          <a:bodyPr/>
+          <a:lstStyle/>
+          <a:p>
+            <a:fld id="{30547005-2CCE-4AAF-810C-C33FB4661996}" type="datetime1">
+              <a:rPr lang="fr-FR" smtClean="0"/>
+              <a:t>21/11/2017</a:t>
+            </a:fld>
+            <a:endParaRPr lang="fr-FR"/>
+          </a:p>
+        </p:txBody>
+      </p:sp>
+      <p:sp>
+        <p:nvSpPr>
+          <p:cNvPr id="5" name="Espace réservé du pied de page 4"/>
+          <p:cNvSpPr>
+            <a:spLocks noGrp="1"/>
+          </p:cNvSpPr>
+          <p:nvPr>
+            <p:ph type="ftr" sz="quarter" idx="11"/>
+          </p:nvPr>
+        </p:nvSpPr>
+        <p:spPr/>
+        <p:txBody>
+          <a:bodyPr/>
+          <a:lstStyle/>
+          <a:p>
+            <a:r>
+              <a:rPr lang="fr-FR" dirty="0" smtClean="0"/>
+              <a:t>MINE Nicolas</a:t>
+            </a:r>
+            <a:endParaRPr lang="fr-FR" dirty="0"/>
+          </a:p>
+        </p:txBody>
+      </p:sp>
+      <p:sp>
+        <p:nvSpPr>
+          <p:cNvPr id="10" name="Rectangle 9"/>
+          <p:cNvSpPr/>
+          <p:nvPr/>
+        </p:nvSpPr>
+        <p:spPr>
+          <a:xfrm>
+            <a:off x="899592" y="4319225"/>
+            <a:ext cx="5400600" cy="2062103"/>
+          </a:xfrm>
+          <a:prstGeom prst="rect">
+            <a:avLst/>
+          </a:prstGeom>
+        </p:spPr>
+        <p:txBody>
+          <a:bodyPr wrap="square">
+            <a:spAutoFit/>
+          </a:bodyPr>
+          <a:lstStyle/>
+          <a:p>
+            <a:r>
+              <a:rPr lang="fr-FR" sz="1600" dirty="0"/>
+              <a:t>"</a:t>
+            </a:r>
+            <a:r>
+              <a:rPr lang="fr-FR" sz="1600" dirty="0" err="1"/>
+              <a:t>loss</a:t>
+            </a:r>
+            <a:r>
+              <a:rPr lang="fr-FR" sz="1600" dirty="0"/>
+              <a:t>" : </a:t>
+            </a:r>
+            <a:r>
+              <a:rPr lang="fr-FR" sz="1600" dirty="0" smtClean="0"/>
+              <a:t>               </a:t>
+            </a:r>
+            <a:r>
+              <a:rPr lang="fr-FR" sz="1600" dirty="0" err="1" smtClean="0"/>
+              <a:t>huber</a:t>
+            </a:r>
+            <a:endParaRPr lang="fr-FR" sz="1600" dirty="0"/>
+          </a:p>
+          <a:p>
+            <a:r>
+              <a:rPr lang="fr-FR" sz="1600" dirty="0"/>
+              <a:t> "</a:t>
+            </a:r>
+            <a:r>
+              <a:rPr lang="fr-FR" sz="1600" dirty="0" err="1"/>
+              <a:t>max_iter</a:t>
+            </a:r>
+            <a:r>
+              <a:rPr lang="fr-FR" sz="1600" dirty="0"/>
+              <a:t>": </a:t>
+            </a:r>
+            <a:r>
+              <a:rPr lang="fr-FR" sz="1600" dirty="0" smtClean="0"/>
+              <a:t>    3</a:t>
+            </a:r>
+            <a:r>
+              <a:rPr lang="fr-FR" sz="1600" dirty="0"/>
+              <a:t>, 5, </a:t>
+            </a:r>
+            <a:r>
+              <a:rPr lang="fr-FR" sz="1600" dirty="0" smtClean="0"/>
+              <a:t>10</a:t>
+            </a:r>
+            <a:endParaRPr lang="fr-FR" sz="1600" dirty="0"/>
+          </a:p>
+          <a:p>
+            <a:r>
+              <a:rPr lang="fr-FR" sz="1600" dirty="0"/>
+              <a:t>"penalty" : </a:t>
+            </a:r>
+            <a:r>
+              <a:rPr lang="fr-FR" sz="1600" dirty="0" smtClean="0"/>
+              <a:t>       Aucune</a:t>
+            </a:r>
+            <a:r>
+              <a:rPr lang="fr-FR" sz="1600" dirty="0"/>
+              <a:t>, l2,  l1, </a:t>
+            </a:r>
+            <a:r>
+              <a:rPr lang="fr-FR" sz="1600" dirty="0" err="1"/>
+              <a:t>elasticnet</a:t>
+            </a:r>
+            <a:endParaRPr lang="fr-FR" sz="1600" dirty="0"/>
+          </a:p>
+          <a:p>
+            <a:r>
+              <a:rPr lang="fr-FR" sz="1600" dirty="0"/>
+              <a:t>"l1_ratio" : </a:t>
+            </a:r>
+            <a:r>
+              <a:rPr lang="fr-FR" sz="1600" dirty="0" smtClean="0"/>
+              <a:t>       0.15</a:t>
+            </a:r>
+            <a:r>
+              <a:rPr lang="fr-FR" sz="1600" dirty="0"/>
+              <a:t>, 0.50, 0.85</a:t>
+            </a:r>
+          </a:p>
+          <a:p>
+            <a:endParaRPr lang="fr-FR" sz="1600" dirty="0"/>
+          </a:p>
+          <a:p>
+            <a:r>
+              <a:rPr lang="fr-FR" sz="1600" dirty="0" smtClean="0"/>
+              <a:t>"</a:t>
+            </a:r>
+            <a:r>
+              <a:rPr lang="fr-FR" sz="1600" dirty="0" err="1"/>
+              <a:t>base_estimator</a:t>
+            </a:r>
+            <a:r>
+              <a:rPr lang="fr-FR" sz="1600" dirty="0"/>
+              <a:t>" : </a:t>
+            </a:r>
+            <a:r>
+              <a:rPr lang="fr-FR" sz="1600" dirty="0" smtClean="0"/>
+              <a:t>    </a:t>
+            </a:r>
+            <a:r>
+              <a:rPr lang="fr-FR" sz="1600" dirty="0" err="1" smtClean="0"/>
+              <a:t>SGDRegressor</a:t>
+            </a:r>
+            <a:r>
+              <a:rPr lang="fr-FR" sz="1600" dirty="0" smtClean="0"/>
+              <a:t>(</a:t>
+            </a:r>
+            <a:r>
+              <a:rPr lang="fr-FR" sz="1600" dirty="0" err="1" smtClean="0"/>
+              <a:t>best_params_SGDR</a:t>
+            </a:r>
+            <a:r>
+              <a:rPr lang="fr-FR" sz="1600" dirty="0" smtClean="0"/>
+              <a:t>)</a:t>
+            </a:r>
+            <a:endParaRPr lang="fr-FR" sz="1600" dirty="0"/>
+          </a:p>
+          <a:p>
+            <a:r>
+              <a:rPr lang="fr-FR" sz="1600" dirty="0" smtClean="0"/>
+              <a:t>"</a:t>
+            </a:r>
+            <a:r>
+              <a:rPr lang="fr-FR" sz="1600" dirty="0" err="1"/>
+              <a:t>n_estimators</a:t>
+            </a:r>
+            <a:r>
+              <a:rPr lang="fr-FR" sz="1600" dirty="0"/>
+              <a:t>" : </a:t>
+            </a:r>
+            <a:r>
+              <a:rPr lang="fr-FR" sz="1600" dirty="0" smtClean="0"/>
+              <a:t>         2</a:t>
+            </a:r>
+            <a:r>
+              <a:rPr lang="fr-FR" sz="1600" dirty="0"/>
+              <a:t>, 5, 10, </a:t>
+            </a:r>
+            <a:r>
+              <a:rPr lang="fr-FR" sz="1600" dirty="0" smtClean="0"/>
+              <a:t>20</a:t>
+            </a:r>
+            <a:endParaRPr lang="fr-FR" sz="1600" dirty="0"/>
+          </a:p>
+          <a:p>
+            <a:r>
+              <a:rPr lang="fr-FR" sz="1600" dirty="0" smtClean="0"/>
+              <a:t>"</a:t>
+            </a:r>
+            <a:r>
+              <a:rPr lang="fr-FR" sz="1600" dirty="0" err="1"/>
+              <a:t>loss</a:t>
+            </a:r>
+            <a:r>
+              <a:rPr lang="fr-FR" sz="1600" dirty="0"/>
+              <a:t>" : </a:t>
+            </a:r>
+            <a:r>
+              <a:rPr lang="fr-FR" sz="1600" dirty="0" smtClean="0"/>
+              <a:t>                             </a:t>
+            </a:r>
+            <a:r>
+              <a:rPr lang="fr-FR" sz="1600" dirty="0" err="1" smtClean="0"/>
+              <a:t>linear</a:t>
+            </a:r>
+            <a:r>
+              <a:rPr lang="fr-FR" sz="1600" dirty="0" smtClean="0"/>
+              <a:t>, square</a:t>
+            </a:r>
+            <a:r>
+              <a:rPr lang="fr-FR" sz="1600" dirty="0"/>
+              <a:t>,</a:t>
+            </a:r>
+            <a:r>
+              <a:rPr lang="fr-FR" sz="1600" dirty="0" smtClean="0"/>
+              <a:t>  </a:t>
+            </a:r>
+            <a:r>
+              <a:rPr lang="fr-FR" sz="1600" dirty="0" err="1" smtClean="0"/>
+              <a:t>exponential</a:t>
+            </a:r>
+            <a:endParaRPr lang="fr-FR" sz="1600" dirty="0"/>
+          </a:p>
+        </p:txBody>
+      </p:sp>
+    </p:spTree>
+    <p:extLst>
+      <p:ext uri="{BB962C8B-B14F-4D97-AF65-F5344CB8AC3E}">
+        <p14:creationId xmlns:p14="http://schemas.microsoft.com/office/powerpoint/2010/main" val="1896911325"/>
+      </p:ext>
+    </p:extLst>
+  </p:cSld>
+  <p:clrMapOvr>
+    <a:masterClrMapping/>
+  </p:clrMapOvr>
+  <p:timing>
+    <p:tnLst>
+      <p:par>
+        <p:cTn id="1" dur="indefinite" restart="never" nodeType="tmRoot"/>
+      </p:par>
+    </p:tnLst>
+  </p:timing>
+</p:sld>
+</file>
+
+<file path=ppt/slides/slide18.xml><?xml version="1.0" encoding="utf-8"?>
+<p:sld xmlns:a="http://schemas.openxmlformats.org/drawingml/2006/main" xmlns:r="http://schemas.openxmlformats.org/officeDocument/2006/relationships" xmlns:p="http://schemas.openxmlformats.org/presentationml/2006/main">
+  <p:cSld>
+    <p:spTree>
+      <p:nvGrpSpPr>
+        <p:cNvPr id="1" name=""/>
+        <p:cNvGrpSpPr/>
+        <p:nvPr/>
+      </p:nvGrpSpPr>
+      <p:grpSpPr>
+        <a:xfrm>
+          <a:off x="0" y="0"/>
+          <a:ext cx="0" cy="0"/>
+          <a:chOff x="0" y="0"/>
+          <a:chExt cx="0" cy="0"/>
+        </a:xfrm>
+      </p:grpSpPr>
+      <p:sp>
+        <p:nvSpPr>
+          <p:cNvPr id="2" name="Titre 1"/>
+          <p:cNvSpPr>
+            <a:spLocks noGrp="1"/>
+          </p:cNvSpPr>
+          <p:nvPr>
+            <p:ph type="title"/>
+          </p:nvPr>
+        </p:nvSpPr>
+        <p:spPr/>
+        <p:txBody>
+          <a:bodyPr/>
+          <a:lstStyle/>
+          <a:p>
+            <a:r>
+              <a:rPr lang="fr-FR" dirty="0" smtClean="0"/>
+              <a:t>Modélisation</a:t>
+            </a:r>
+            <a:endParaRPr lang="fr-FR" dirty="0"/>
+          </a:p>
+        </p:txBody>
+      </p:sp>
+      <p:sp>
+        <p:nvSpPr>
+          <p:cNvPr id="3" name="Espace réservé du contenu 2"/>
+          <p:cNvSpPr>
+            <a:spLocks noGrp="1"/>
+          </p:cNvSpPr>
+          <p:nvPr>
+            <p:ph idx="1"/>
+          </p:nvPr>
+        </p:nvSpPr>
+        <p:spPr/>
+        <p:txBody>
+          <a:bodyPr>
+            <a:normAutofit fontScale="85000" lnSpcReduction="20000"/>
+          </a:bodyPr>
+          <a:lstStyle/>
+          <a:p>
+            <a:r>
+              <a:rPr lang="fr-FR" sz="2400" dirty="0" smtClean="0">
+                <a:solidFill>
+                  <a:srgbClr val="E8750C"/>
+                </a:solidFill>
+              </a:rPr>
+              <a:t>Résultats :</a:t>
+            </a:r>
+          </a:p>
+          <a:p>
+            <a:pPr lvl="1"/>
+            <a:r>
+              <a:rPr lang="fr-FR" sz="2000" dirty="0" smtClean="0">
+                <a:solidFill>
+                  <a:srgbClr val="E8750C"/>
+                </a:solidFill>
+              </a:rPr>
+              <a:t>Objectif : Prédire les petits retard</a:t>
+            </a:r>
+          </a:p>
+          <a:p>
+            <a:pPr lvl="2"/>
+            <a:r>
+              <a:rPr lang="fr-FR" sz="1600" dirty="0" smtClean="0">
+                <a:solidFill>
+                  <a:srgbClr val="E8750C"/>
+                </a:solidFill>
+              </a:rPr>
+              <a:t>Métrique : MAE (MSLE possible aussi)</a:t>
+            </a:r>
+          </a:p>
+          <a:p>
+            <a:pPr lvl="2"/>
+            <a:r>
+              <a:rPr lang="fr-FR" sz="1600" dirty="0" smtClean="0">
+                <a:solidFill>
+                  <a:srgbClr val="E8750C"/>
+                </a:solidFill>
+              </a:rPr>
+              <a:t>Si MAE identique</a:t>
+            </a:r>
+          </a:p>
+          <a:p>
+            <a:pPr lvl="3"/>
+            <a:r>
+              <a:rPr lang="fr-FR" sz="1200" dirty="0" smtClean="0">
+                <a:solidFill>
+                  <a:srgbClr val="E8750C"/>
+                </a:solidFill>
+              </a:rPr>
+              <a:t>MSE/RMSE</a:t>
+            </a:r>
+          </a:p>
+          <a:p>
+            <a:pPr lvl="3"/>
+            <a:endParaRPr lang="fr-FR" sz="1200" dirty="0">
+              <a:solidFill>
+                <a:srgbClr val="E8750C"/>
+              </a:solidFill>
+            </a:endParaRPr>
+          </a:p>
+          <a:p>
+            <a:pPr lvl="1"/>
+            <a:r>
+              <a:rPr lang="fr-FR" sz="2000" dirty="0">
+                <a:solidFill>
+                  <a:srgbClr val="E8750C"/>
+                </a:solidFill>
+              </a:rPr>
+              <a:t>MAE : 10.2008 </a:t>
+            </a:r>
+            <a:r>
+              <a:rPr lang="fr-FR" sz="2000" dirty="0" smtClean="0">
+                <a:solidFill>
+                  <a:srgbClr val="E8750C"/>
+                </a:solidFill>
+              </a:rPr>
+              <a:t>   (</a:t>
+            </a:r>
+            <a:r>
+              <a:rPr lang="fr-FR" sz="2000" dirty="0">
+                <a:solidFill>
+                  <a:srgbClr val="E8750C"/>
+                </a:solidFill>
+              </a:rPr>
+              <a:t>9.9598)</a:t>
+            </a:r>
+            <a:endParaRPr lang="fr-FR" sz="2000" dirty="0" smtClean="0">
+              <a:solidFill>
+                <a:srgbClr val="E8750C"/>
+              </a:solidFill>
+            </a:endParaRPr>
+          </a:p>
+          <a:p>
+            <a:pPr lvl="1"/>
+            <a:r>
+              <a:rPr lang="fr-FR" sz="2000" dirty="0">
+                <a:solidFill>
+                  <a:srgbClr val="E8750C"/>
+                </a:solidFill>
+              </a:rPr>
+              <a:t>MSE : 875.1533 </a:t>
+            </a:r>
+            <a:r>
+              <a:rPr lang="fr-FR" sz="2000" dirty="0" smtClean="0">
+                <a:solidFill>
+                  <a:srgbClr val="E8750C"/>
+                </a:solidFill>
+              </a:rPr>
+              <a:t> (</a:t>
+            </a:r>
+            <a:r>
+              <a:rPr lang="fr-FR" sz="2000" dirty="0">
+                <a:solidFill>
+                  <a:srgbClr val="E8750C"/>
+                </a:solidFill>
+              </a:rPr>
+              <a:t>845.0382)</a:t>
+            </a:r>
+            <a:endParaRPr lang="fr-FR" sz="1600" dirty="0" smtClean="0">
+              <a:solidFill>
+                <a:srgbClr val="E8750C"/>
+              </a:solidFill>
+            </a:endParaRPr>
+          </a:p>
+          <a:p>
+            <a:pPr lvl="1"/>
+            <a:r>
+              <a:rPr lang="fr-FR" sz="2000" dirty="0" smtClean="0">
+                <a:solidFill>
+                  <a:srgbClr val="E8750C"/>
+                </a:solidFill>
+              </a:rPr>
+              <a:t>RMSE : 29.5830  (29.06)</a:t>
+            </a:r>
+          </a:p>
+          <a:p>
+            <a:pPr lvl="1"/>
+            <a:endParaRPr lang="fr-FR" sz="2000" dirty="0" smtClean="0">
+              <a:solidFill>
+                <a:srgbClr val="E8750C"/>
+              </a:solidFill>
+            </a:endParaRPr>
+          </a:p>
+          <a:p>
+            <a:pPr lvl="1"/>
+            <a:r>
+              <a:rPr lang="fr-FR" sz="2000" dirty="0" err="1" smtClean="0">
+                <a:solidFill>
+                  <a:srgbClr val="E8750C"/>
+                </a:solidFill>
+              </a:rPr>
+              <a:t>AdaBoost</a:t>
+            </a:r>
+            <a:endParaRPr lang="fr-FR" sz="2000" dirty="0" smtClean="0">
+              <a:solidFill>
+                <a:srgbClr val="E8750C"/>
+              </a:solidFill>
+            </a:endParaRPr>
+          </a:p>
+          <a:p>
+            <a:pPr lvl="2"/>
+            <a:r>
+              <a:rPr lang="fr-FR" sz="1600" dirty="0" smtClean="0">
+                <a:solidFill>
+                  <a:srgbClr val="E8750C"/>
+                </a:solidFill>
+              </a:rPr>
+              <a:t>2 estimateurs</a:t>
+            </a:r>
+          </a:p>
+          <a:p>
+            <a:pPr lvl="2"/>
+            <a:r>
+              <a:rPr lang="fr-FR" sz="1600" dirty="0" err="1" smtClean="0">
+                <a:solidFill>
+                  <a:srgbClr val="E8750C"/>
+                </a:solidFill>
+              </a:rPr>
+              <a:t>Loss</a:t>
+            </a:r>
+            <a:r>
+              <a:rPr lang="fr-FR" sz="1600" dirty="0" smtClean="0">
+                <a:solidFill>
+                  <a:srgbClr val="E8750C"/>
+                </a:solidFill>
+              </a:rPr>
+              <a:t> </a:t>
+            </a:r>
+            <a:r>
+              <a:rPr lang="fr-FR" sz="1600" dirty="0">
+                <a:solidFill>
+                  <a:srgbClr val="E8750C"/>
+                </a:solidFill>
+              </a:rPr>
+              <a:t>: </a:t>
+            </a:r>
+            <a:r>
+              <a:rPr lang="fr-FR" sz="1600" dirty="0" err="1">
+                <a:solidFill>
+                  <a:srgbClr val="E8750C"/>
+                </a:solidFill>
+              </a:rPr>
+              <a:t>exponential</a:t>
+            </a:r>
+            <a:endParaRPr lang="fr-FR" sz="1600" dirty="0" smtClean="0">
+              <a:solidFill>
+                <a:srgbClr val="E8750C"/>
+              </a:solidFill>
+            </a:endParaRPr>
+          </a:p>
+          <a:p>
+            <a:pPr lvl="2"/>
+            <a:r>
+              <a:rPr lang="fr-FR" sz="1600" dirty="0" err="1" smtClean="0">
+                <a:solidFill>
+                  <a:srgbClr val="E8750C"/>
+                </a:solidFill>
+              </a:rPr>
+              <a:t>Max_iter</a:t>
+            </a:r>
+            <a:r>
+              <a:rPr lang="fr-FR" sz="1600" dirty="0" smtClean="0">
+                <a:solidFill>
+                  <a:srgbClr val="E8750C"/>
+                </a:solidFill>
+              </a:rPr>
+              <a:t> : 10</a:t>
+            </a:r>
+          </a:p>
+          <a:p>
+            <a:pPr lvl="1"/>
+            <a:r>
+              <a:rPr lang="fr-FR" sz="2000" dirty="0" smtClean="0">
+                <a:solidFill>
+                  <a:srgbClr val="E8750C"/>
+                </a:solidFill>
+              </a:rPr>
+              <a:t>SGD</a:t>
+            </a:r>
+          </a:p>
+          <a:p>
+            <a:pPr lvl="2"/>
+            <a:r>
+              <a:rPr lang="fr-FR" sz="1600" dirty="0">
+                <a:solidFill>
+                  <a:srgbClr val="E8750C"/>
+                </a:solidFill>
+              </a:rPr>
+              <a:t>L1_ratio : 0,15</a:t>
+            </a:r>
+          </a:p>
+          <a:p>
+            <a:pPr lvl="2"/>
+            <a:r>
+              <a:rPr lang="fr-FR" sz="1600" dirty="0" err="1" smtClean="0">
+                <a:solidFill>
+                  <a:srgbClr val="E8750C"/>
+                </a:solidFill>
+              </a:rPr>
+              <a:t>Iter</a:t>
+            </a:r>
+            <a:r>
+              <a:rPr lang="fr-FR" sz="1600" dirty="0" smtClean="0">
+                <a:solidFill>
+                  <a:srgbClr val="E8750C"/>
+                </a:solidFill>
+              </a:rPr>
+              <a:t> : 10</a:t>
+            </a:r>
+          </a:p>
+          <a:p>
+            <a:pPr lvl="2"/>
+            <a:r>
+              <a:rPr lang="fr-FR" sz="1600" dirty="0" smtClean="0">
+                <a:solidFill>
+                  <a:srgbClr val="E8750C"/>
+                </a:solidFill>
+              </a:rPr>
+              <a:t>Penalty : Aucune</a:t>
+            </a:r>
+            <a:endParaRPr lang="fr-FR" sz="1600" dirty="0">
+              <a:solidFill>
+                <a:srgbClr val="E8750C"/>
+              </a:solidFill>
+            </a:endParaRPr>
+          </a:p>
+          <a:p>
+            <a:endParaRPr lang="fr-FR" dirty="0" smtClean="0">
+              <a:solidFill>
+                <a:srgbClr val="E8750C"/>
+              </a:solidFill>
+            </a:endParaRPr>
+          </a:p>
+        </p:txBody>
+      </p:sp>
+      <p:sp>
+        <p:nvSpPr>
+          <p:cNvPr id="4" name="Espace réservé de la date 3"/>
+          <p:cNvSpPr>
+            <a:spLocks noGrp="1"/>
+          </p:cNvSpPr>
+          <p:nvPr>
+            <p:ph type="dt" sz="half" idx="10"/>
+          </p:nvPr>
+        </p:nvSpPr>
+        <p:spPr/>
+        <p:txBody>
+          <a:bodyPr/>
+          <a:lstStyle/>
+          <a:p>
+            <a:fld id="{30547005-2CCE-4AAF-810C-C33FB4661996}" type="datetime1">
+              <a:rPr lang="fr-FR" smtClean="0"/>
+              <a:t>21/11/2017</a:t>
+            </a:fld>
+            <a:endParaRPr lang="fr-FR"/>
+          </a:p>
+        </p:txBody>
+      </p:sp>
+      <p:sp>
+        <p:nvSpPr>
+          <p:cNvPr id="5" name="Espace réservé du pied de page 4"/>
+          <p:cNvSpPr>
+            <a:spLocks noGrp="1"/>
+          </p:cNvSpPr>
+          <p:nvPr>
+            <p:ph type="ftr" sz="quarter" idx="11"/>
+          </p:nvPr>
+        </p:nvSpPr>
+        <p:spPr/>
+        <p:txBody>
+          <a:bodyPr/>
+          <a:lstStyle/>
+          <a:p>
+            <a:r>
+              <a:rPr lang="fr-FR" dirty="0" smtClean="0"/>
+              <a:t>MINE Nicolas</a:t>
+            </a:r>
+            <a:endParaRPr lang="fr-FR" dirty="0"/>
+          </a:p>
+        </p:txBody>
+      </p:sp>
+      <p:pic>
+        <p:nvPicPr>
+          <p:cNvPr id="3074" name="Picture 2"/>
+          <p:cNvPicPr>
+            <a:picLocks noChangeAspect="1" noChangeArrowheads="1"/>
+          </p:cNvPicPr>
+          <p:nvPr/>
+        </p:nvPicPr>
+        <p:blipFill>
+          <a:blip r:embed="rId2">
+            <a:clrChange>
+              <a:clrFrom>
+                <a:srgbClr val="FFFFFF"/>
+              </a:clrFrom>
+              <a:clrTo>
+                <a:srgbClr val="FFFFFF">
+                  <a:alpha val="0"/>
+                </a:srgbClr>
+              </a:clrTo>
+            </a:clrChange>
+            <a:extLst>
+              <a:ext uri="{28A0092B-C50C-407E-A947-70E740481C1C}">
+                <a14:useLocalDpi xmlns:a14="http://schemas.microsoft.com/office/drawing/2010/main" val="0"/>
+              </a:ext>
+            </a:extLst>
+          </a:blip>
+          <a:srcRect/>
+          <a:stretch>
+            <a:fillRect/>
+          </a:stretch>
+        </p:blipFill>
+        <p:spPr bwMode="auto">
+          <a:xfrm>
+            <a:off x="4035818" y="3140968"/>
+            <a:ext cx="5216702" cy="3276186"/>
+          </a:xfrm>
+          <a:prstGeom prst="rect">
+            <a:avLst/>
+          </a:prstGeom>
+          <a:noFill/>
+          <a:ln>
+            <a:noFill/>
+          </a:ln>
+          <a:effectLst/>
+          <a:extLst>
+            <a:ext uri="{909E8E84-426E-40DD-AFC4-6F175D3DCCD1}">
+              <a14:hiddenFill xmlns:a14="http://schemas.microsoft.com/office/drawing/2010/main">
+                <a:solidFill>
+                  <a:schemeClr val="accent1"/>
+                </a:solidFill>
+              </a14:hiddenFill>
+            </a:ext>
+            <a:ext uri="{91240B29-F687-4F45-9708-019B960494DF}">
+              <a14:hiddenLine xmlns:a14="http://schemas.microsoft.com/office/drawing/2010/main" w="9525">
+                <a:solidFill>
+                  <a:schemeClr val="tx1"/>
+                </a:solidFill>
+                <a:miter lim="800000"/>
+                <a:headEnd/>
+                <a:tailEnd/>
+              </a14:hiddenLine>
+            </a:ext>
+            <a:ext uri="{AF507438-7753-43E0-B8FC-AC1667EBCBE1}">
+              <a14:hiddenEffects xmlns:a14="http://schemas.microsoft.com/office/drawing/2010/main">
+                <a:effectLst>
+                  <a:outerShdw dist="35921" dir="2700000" algn="ctr" rotWithShape="0">
+                    <a:schemeClr val="bg2"/>
+                  </a:outerShdw>
+                </a:effectLst>
+              </a14:hiddenEffects>
+            </a:ext>
+          </a:extLst>
+        </p:spPr>
+      </p:pic>
+    </p:spTree>
+    <p:extLst>
+      <p:ext uri="{BB962C8B-B14F-4D97-AF65-F5344CB8AC3E}">
+        <p14:creationId xmlns:p14="http://schemas.microsoft.com/office/powerpoint/2010/main" val="3327433323"/>
+      </p:ext>
+    </p:extLst>
+  </p:cSld>
+  <p:clrMapOvr>
+    <a:masterClrMapping/>
+  </p:clrMapOvr>
+  <p:timing>
+    <p:tnLst>
+      <p:par>
+        <p:cTn id="1" dur="indefinite" restart="never" nodeType="tmRoot"/>
+      </p:par>
+    </p:tnLst>
+  </p:timing>
+</p:sld>
+</file>
+
+<file path=ppt/slides/slide19.xml><?xml version="1.0" encoding="utf-8"?>
+<p:sld xmlns:a="http://schemas.openxmlformats.org/drawingml/2006/main" xmlns:r="http://schemas.openxmlformats.org/officeDocument/2006/relationships" xmlns:p="http://schemas.openxmlformats.org/presentationml/2006/main">
+  <p:cSld>
+    <p:spTree>
+      <p:nvGrpSpPr>
+        <p:cNvPr id="1" name=""/>
+        <p:cNvGrpSpPr/>
+        <p:nvPr/>
+      </p:nvGrpSpPr>
+      <p:grpSpPr>
+        <a:xfrm>
+          <a:off x="0" y="0"/>
+          <a:ext cx="0" cy="0"/>
+          <a:chOff x="0" y="0"/>
+          <a:chExt cx="0" cy="0"/>
+        </a:xfrm>
+      </p:grpSpPr>
+      <p:sp>
+        <p:nvSpPr>
+          <p:cNvPr id="2" name="Titre 1"/>
+          <p:cNvSpPr>
+            <a:spLocks noGrp="1"/>
+          </p:cNvSpPr>
+          <p:nvPr>
+            <p:ph type="title"/>
+          </p:nvPr>
+        </p:nvSpPr>
+        <p:spPr/>
+        <p:txBody>
+          <a:bodyPr/>
+          <a:lstStyle/>
+          <a:p>
+            <a:r>
+              <a:rPr lang="fr-FR" dirty="0" smtClean="0"/>
+              <a:t>Modélisation</a:t>
+            </a:r>
+            <a:endParaRPr lang="fr-FR" dirty="0"/>
+          </a:p>
+        </p:txBody>
+      </p:sp>
+      <p:sp>
+        <p:nvSpPr>
+          <p:cNvPr id="3" name="Espace réservé du contenu 2"/>
+          <p:cNvSpPr>
+            <a:spLocks noGrp="1"/>
+          </p:cNvSpPr>
+          <p:nvPr>
+            <p:ph idx="1"/>
+          </p:nvPr>
+        </p:nvSpPr>
+        <p:spPr/>
+        <p:txBody>
+          <a:bodyPr>
+            <a:normAutofit/>
+          </a:bodyPr>
+          <a:lstStyle/>
+          <a:p>
+            <a:r>
+              <a:rPr lang="fr-FR" sz="2800" dirty="0" smtClean="0">
+                <a:solidFill>
+                  <a:srgbClr val="E8750C"/>
+                </a:solidFill>
+              </a:rPr>
+              <a:t>API</a:t>
+            </a:r>
+          </a:p>
+          <a:p>
+            <a:pPr lvl="1"/>
+            <a:r>
+              <a:rPr lang="fr-FR" sz="2400" dirty="0" smtClean="0">
+                <a:solidFill>
+                  <a:srgbClr val="E8750C"/>
+                </a:solidFill>
+              </a:rPr>
+              <a:t>Petit site </a:t>
+            </a:r>
+            <a:r>
+              <a:rPr lang="fr-FR" sz="2400" dirty="0" err="1" smtClean="0">
+                <a:solidFill>
+                  <a:srgbClr val="E8750C"/>
+                </a:solidFill>
+              </a:rPr>
+              <a:t>Flask</a:t>
+            </a:r>
+            <a:endParaRPr lang="fr-FR" sz="2400" dirty="0" smtClean="0">
+              <a:solidFill>
+                <a:srgbClr val="E8750C"/>
+              </a:solidFill>
+            </a:endParaRPr>
+          </a:p>
+          <a:p>
+            <a:pPr lvl="2"/>
+            <a:r>
+              <a:rPr lang="fr-FR" sz="1800" dirty="0" smtClean="0">
+                <a:solidFill>
+                  <a:srgbClr val="E8750C"/>
+                </a:solidFill>
+              </a:rPr>
+              <a:t>Entrée</a:t>
+            </a:r>
+          </a:p>
+          <a:p>
+            <a:pPr lvl="3"/>
+            <a:r>
+              <a:rPr lang="fr-FR" sz="1400" dirty="0" smtClean="0">
+                <a:solidFill>
+                  <a:srgbClr val="E8750C"/>
+                </a:solidFill>
+              </a:rPr>
+              <a:t>Date du vol</a:t>
+            </a:r>
+          </a:p>
+          <a:p>
+            <a:pPr lvl="3"/>
+            <a:r>
+              <a:rPr lang="fr-FR" sz="1400" dirty="0" smtClean="0">
+                <a:solidFill>
+                  <a:srgbClr val="E8750C"/>
+                </a:solidFill>
+              </a:rPr>
+              <a:t>Heure du vol</a:t>
+            </a:r>
+          </a:p>
+          <a:p>
+            <a:pPr lvl="3"/>
+            <a:r>
+              <a:rPr lang="fr-FR" sz="1400" dirty="0" smtClean="0">
+                <a:solidFill>
+                  <a:srgbClr val="E8750C"/>
+                </a:solidFill>
+              </a:rPr>
+              <a:t>Compagnie</a:t>
+            </a:r>
+          </a:p>
+          <a:p>
+            <a:pPr lvl="3"/>
+            <a:r>
+              <a:rPr lang="fr-FR" sz="1400" dirty="0" err="1" smtClean="0">
+                <a:solidFill>
+                  <a:srgbClr val="E8750C"/>
+                </a:solidFill>
+              </a:rPr>
+              <a:t>Aeroport</a:t>
+            </a:r>
+            <a:r>
+              <a:rPr lang="fr-FR" sz="1400" dirty="0" smtClean="0">
+                <a:solidFill>
+                  <a:srgbClr val="E8750C"/>
+                </a:solidFill>
+              </a:rPr>
+              <a:t> de départ</a:t>
+            </a:r>
+          </a:p>
+          <a:p>
+            <a:pPr lvl="3"/>
+            <a:r>
+              <a:rPr lang="fr-FR" sz="1400" dirty="0" err="1" smtClean="0">
+                <a:solidFill>
+                  <a:srgbClr val="E8750C"/>
+                </a:solidFill>
+              </a:rPr>
+              <a:t>Aeroport</a:t>
+            </a:r>
+            <a:r>
+              <a:rPr lang="fr-FR" sz="1400" dirty="0" smtClean="0">
+                <a:solidFill>
+                  <a:srgbClr val="E8750C"/>
+                </a:solidFill>
+              </a:rPr>
+              <a:t> d’arrivé</a:t>
+            </a:r>
+          </a:p>
+          <a:p>
+            <a:pPr lvl="2"/>
+            <a:r>
+              <a:rPr lang="fr-FR" sz="1800" dirty="0" err="1" smtClean="0">
+                <a:solidFill>
+                  <a:srgbClr val="E8750C"/>
+                </a:solidFill>
+              </a:rPr>
+              <a:t>Requete</a:t>
+            </a:r>
+            <a:r>
+              <a:rPr lang="fr-FR" sz="1800" dirty="0" smtClean="0">
+                <a:solidFill>
+                  <a:srgbClr val="E8750C"/>
+                </a:solidFill>
+              </a:rPr>
+              <a:t> POST</a:t>
+            </a:r>
+          </a:p>
+          <a:p>
+            <a:pPr lvl="3"/>
+            <a:r>
+              <a:rPr lang="fr-FR" sz="1400" dirty="0" smtClean="0">
+                <a:solidFill>
+                  <a:srgbClr val="E8750C"/>
+                </a:solidFill>
+              </a:rPr>
+              <a:t>Pas de contrôle des inputs</a:t>
+            </a:r>
+          </a:p>
+          <a:p>
+            <a:pPr lvl="3"/>
+            <a:r>
+              <a:rPr lang="fr-FR" sz="1400" dirty="0" smtClean="0">
+                <a:solidFill>
+                  <a:srgbClr val="E8750C"/>
+                </a:solidFill>
+              </a:rPr>
+              <a:t>Encodage (OHE)</a:t>
+            </a:r>
+          </a:p>
+          <a:p>
+            <a:pPr lvl="3"/>
+            <a:r>
+              <a:rPr lang="fr-FR" sz="1400" dirty="0" err="1" smtClean="0">
+                <a:solidFill>
+                  <a:srgbClr val="E8750C"/>
+                </a:solidFill>
+              </a:rPr>
+              <a:t>Scaler</a:t>
+            </a:r>
+            <a:r>
+              <a:rPr lang="fr-FR" sz="1400" dirty="0" smtClean="0">
+                <a:solidFill>
+                  <a:srgbClr val="E8750C"/>
+                </a:solidFill>
+              </a:rPr>
+              <a:t> </a:t>
+            </a:r>
+            <a:r>
+              <a:rPr lang="fr-FR" sz="1400" dirty="0" err="1" smtClean="0">
+                <a:solidFill>
+                  <a:srgbClr val="E8750C"/>
+                </a:solidFill>
+              </a:rPr>
+              <a:t>saved</a:t>
+            </a:r>
+            <a:endParaRPr lang="fr-FR" sz="1400" dirty="0" smtClean="0">
+              <a:solidFill>
+                <a:srgbClr val="E8750C"/>
+              </a:solidFill>
+            </a:endParaRPr>
+          </a:p>
+          <a:p>
+            <a:pPr lvl="3"/>
+            <a:r>
+              <a:rPr lang="fr-FR" sz="1400" dirty="0" smtClean="0">
+                <a:solidFill>
+                  <a:srgbClr val="E8750C"/>
+                </a:solidFill>
+              </a:rPr>
+              <a:t>Modèle </a:t>
+            </a:r>
+            <a:r>
+              <a:rPr lang="fr-FR" sz="1400" dirty="0" err="1" smtClean="0">
+                <a:solidFill>
+                  <a:srgbClr val="E8750C"/>
+                </a:solidFill>
+              </a:rPr>
+              <a:t>saved</a:t>
+            </a:r>
+            <a:endParaRPr lang="fr-FR" sz="1400" dirty="0" smtClean="0">
+              <a:solidFill>
+                <a:srgbClr val="E8750C"/>
+              </a:solidFill>
+            </a:endParaRPr>
+          </a:p>
+          <a:p>
+            <a:pPr lvl="2"/>
+            <a:r>
+              <a:rPr lang="fr-FR" sz="1800" dirty="0" smtClean="0">
+                <a:solidFill>
+                  <a:srgbClr val="E8750C"/>
+                </a:solidFill>
+              </a:rPr>
+              <a:t>Sortie</a:t>
+            </a:r>
+          </a:p>
+          <a:p>
+            <a:pPr lvl="3"/>
+            <a:r>
+              <a:rPr lang="fr-FR" sz="1400" dirty="0" smtClean="0">
+                <a:solidFill>
+                  <a:srgbClr val="E8750C"/>
+                </a:solidFill>
+              </a:rPr>
+              <a:t>Retourne Avance/Retard</a:t>
+            </a:r>
+          </a:p>
+          <a:p>
+            <a:endParaRPr lang="fr-FR" dirty="0" smtClean="0">
+              <a:solidFill>
+                <a:srgbClr val="E8750C"/>
+              </a:solidFill>
+            </a:endParaRPr>
+          </a:p>
+        </p:txBody>
+      </p:sp>
+      <p:sp>
+        <p:nvSpPr>
+          <p:cNvPr id="4" name="Espace réservé de la date 3"/>
+          <p:cNvSpPr>
+            <a:spLocks noGrp="1"/>
+          </p:cNvSpPr>
+          <p:nvPr>
+            <p:ph type="dt" sz="half" idx="10"/>
+          </p:nvPr>
+        </p:nvSpPr>
+        <p:spPr/>
+        <p:txBody>
+          <a:bodyPr/>
+          <a:lstStyle/>
+          <a:p>
+            <a:fld id="{30547005-2CCE-4AAF-810C-C33FB4661996}" type="datetime1">
+              <a:rPr lang="fr-FR" smtClean="0"/>
+              <a:t>21/11/2017</a:t>
+            </a:fld>
+            <a:endParaRPr lang="fr-FR"/>
+          </a:p>
+        </p:txBody>
+      </p:sp>
+      <p:sp>
+        <p:nvSpPr>
+          <p:cNvPr id="5" name="Espace réservé du pied de page 4"/>
+          <p:cNvSpPr>
+            <a:spLocks noGrp="1"/>
+          </p:cNvSpPr>
+          <p:nvPr>
+            <p:ph type="ftr" sz="quarter" idx="11"/>
+          </p:nvPr>
+        </p:nvSpPr>
+        <p:spPr/>
+        <p:txBody>
+          <a:bodyPr/>
+          <a:lstStyle/>
+          <a:p>
+            <a:r>
+              <a:rPr lang="fr-FR" dirty="0" smtClean="0"/>
+              <a:t>MINE Nicolas</a:t>
+            </a:r>
+            <a:endParaRPr lang="fr-FR" dirty="0"/>
+          </a:p>
+        </p:txBody>
+      </p:sp>
+      <p:sp>
+        <p:nvSpPr>
+          <p:cNvPr id="6" name="ZoneTexte 5"/>
+          <p:cNvSpPr txBox="1"/>
+          <p:nvPr/>
+        </p:nvSpPr>
+        <p:spPr>
+          <a:xfrm>
+            <a:off x="4716016" y="2132856"/>
+            <a:ext cx="4032448" cy="369332"/>
+          </a:xfrm>
+          <a:prstGeom prst="rect">
+            <a:avLst/>
+          </a:prstGeom>
+          <a:noFill/>
+        </p:spPr>
+        <p:txBody>
+          <a:bodyPr wrap="square" rtlCol="0">
+            <a:spAutoFit/>
+          </a:bodyPr>
+          <a:lstStyle/>
+          <a:p>
+            <a:pPr algn="ctr"/>
+            <a:r>
+              <a:rPr lang="fr-FR" dirty="0" smtClean="0"/>
+              <a:t>IMAGE</a:t>
+            </a:r>
+            <a:endParaRPr lang="fr-FR" dirty="0"/>
+          </a:p>
+        </p:txBody>
+      </p:sp>
+    </p:spTree>
+    <p:extLst>
+      <p:ext uri="{BB962C8B-B14F-4D97-AF65-F5344CB8AC3E}">
+        <p14:creationId xmlns:p14="http://schemas.microsoft.com/office/powerpoint/2010/main" val="3890809824"/>
+      </p:ext>
+    </p:extLst>
+  </p:cSld>
+  <p:clrMapOvr>
+    <a:masterClrMapping/>
+  </p:clrMapOvr>
+  <p:timing>
+    <p:tnLst>
+      <p:par>
+        <p:cTn id="1" dur="indefinite" restart="never" nodeType="tmRoot"/>
+      </p:par>
+    </p:tnLst>
+  </p:timing>
+</p:sld>
+</file>
+
 <file path=ppt/slides/slide2.xml><?xml version="1.0" encoding="utf-8"?>
 <p:sld xmlns:a="http://schemas.openxmlformats.org/drawingml/2006/main" xmlns:r="http://schemas.openxmlformats.org/officeDocument/2006/relationships" xmlns:p="http://schemas.openxmlformats.org/presentationml/2006/main">
   <p:cSld>
@@ -4138,11 +7543,6 @@
               </a:rPr>
               <a:t>API</a:t>
             </a:r>
-            <a:endParaRPr lang="fr-FR" dirty="0" smtClean="0">
-              <a:solidFill>
-                <a:srgbClr val="E8750C"/>
-              </a:solidFill>
-            </a:endParaRPr>
           </a:p>
           <a:p>
             <a:pPr lvl="1">
@@ -4193,7 +7593,7 @@
           <a:p>
             <a:fld id="{30547005-2CCE-4AAF-810C-C33FB4661996}" type="datetime1">
               <a:rPr lang="fr-FR" smtClean="0"/>
-              <a:t>19/11/2017</a:t>
+              <a:t>21/11/2017</a:t>
             </a:fld>
             <a:endParaRPr lang="fr-FR"/>
           </a:p>
@@ -4219,6 +7619,36 @@
               <a:t>MINE Nicolas</a:t>
             </a:r>
             <a:endParaRPr lang="fr-FR" dirty="0"/>
+          </a:p>
+        </p:txBody>
+      </p:sp>
+      <p:sp>
+        <p:nvSpPr>
+          <p:cNvPr id="6" name="ZoneTexte 5"/>
+          <p:cNvSpPr txBox="1"/>
+          <p:nvPr/>
+        </p:nvSpPr>
+        <p:spPr>
+          <a:xfrm>
+            <a:off x="5076056" y="2924944"/>
+            <a:ext cx="3312368" cy="369332"/>
+          </a:xfrm>
+          <a:prstGeom prst="rect">
+            <a:avLst/>
+          </a:prstGeom>
+          <a:noFill/>
+        </p:spPr>
+        <p:txBody>
+          <a:bodyPr wrap="square" rtlCol="0">
+            <a:spAutoFit/>
+          </a:bodyPr>
+          <a:lstStyle/>
+          <a:p>
+            <a:r>
+              <a:rPr lang="fr-FR" smtClean="0"/>
+              <a:t>Image</a:t>
+            </a:r>
+            <a:endParaRPr lang="fr-FR"/>
           </a:p>
         </p:txBody>
       </p:sp>
@@ -4226,6 +7656,246 @@
     <p:extLst>
       <p:ext uri="{BB962C8B-B14F-4D97-AF65-F5344CB8AC3E}">
         <p14:creationId xmlns:p14="http://schemas.microsoft.com/office/powerpoint/2010/main" val="1742707197"/>
+      </p:ext>
+    </p:extLst>
+  </p:cSld>
+  <p:clrMapOvr>
+    <a:masterClrMapping/>
+  </p:clrMapOvr>
+  <p:timing>
+    <p:tnLst>
+      <p:par>
+        <p:cTn id="1" dur="indefinite" restart="never" nodeType="tmRoot"/>
+      </p:par>
+    </p:tnLst>
+  </p:timing>
+</p:sld>
+</file>
+
+<file path=ppt/slides/slide20.xml><?xml version="1.0" encoding="utf-8"?>
+<p:sld xmlns:a="http://schemas.openxmlformats.org/drawingml/2006/main" xmlns:r="http://schemas.openxmlformats.org/officeDocument/2006/relationships" xmlns:p="http://schemas.openxmlformats.org/presentationml/2006/main">
+  <p:cSld>
+    <p:spTree>
+      <p:nvGrpSpPr>
+        <p:cNvPr id="1" name=""/>
+        <p:cNvGrpSpPr/>
+        <p:nvPr/>
+      </p:nvGrpSpPr>
+      <p:grpSpPr>
+        <a:xfrm>
+          <a:off x="0" y="0"/>
+          <a:ext cx="0" cy="0"/>
+          <a:chOff x="0" y="0"/>
+          <a:chExt cx="0" cy="0"/>
+        </a:xfrm>
+      </p:grpSpPr>
+      <p:sp>
+        <p:nvSpPr>
+          <p:cNvPr id="2" name="Titre 1"/>
+          <p:cNvSpPr>
+            <a:spLocks noGrp="1"/>
+          </p:cNvSpPr>
+          <p:nvPr>
+            <p:ph type="title"/>
+          </p:nvPr>
+        </p:nvSpPr>
+        <p:spPr/>
+        <p:txBody>
+          <a:bodyPr/>
+          <a:lstStyle/>
+          <a:p>
+            <a:r>
+              <a:rPr lang="fr-FR" dirty="0" smtClean="0"/>
+              <a:t>Conclusion</a:t>
+            </a:r>
+            <a:endParaRPr lang="fr-FR" dirty="0"/>
+          </a:p>
+        </p:txBody>
+      </p:sp>
+      <p:sp>
+        <p:nvSpPr>
+          <p:cNvPr id="3" name="Espace réservé du contenu 2"/>
+          <p:cNvSpPr>
+            <a:spLocks noGrp="1"/>
+          </p:cNvSpPr>
+          <p:nvPr>
+            <p:ph idx="1"/>
+          </p:nvPr>
+        </p:nvSpPr>
+        <p:spPr/>
+        <p:txBody>
+          <a:bodyPr>
+            <a:normAutofit lnSpcReduction="10000"/>
+          </a:bodyPr>
+          <a:lstStyle/>
+          <a:p>
+            <a:r>
+              <a:rPr lang="fr-FR" sz="2800" dirty="0" smtClean="0">
+                <a:solidFill>
+                  <a:srgbClr val="E8750C"/>
+                </a:solidFill>
+              </a:rPr>
+              <a:t>Beaucoup de données</a:t>
+            </a:r>
+          </a:p>
+          <a:p>
+            <a:r>
+              <a:rPr lang="fr-FR" sz="2800" dirty="0" err="1" smtClean="0">
+                <a:solidFill>
+                  <a:srgbClr val="E8750C"/>
+                </a:solidFill>
+              </a:rPr>
+              <a:t>Dataset</a:t>
+            </a:r>
+            <a:r>
+              <a:rPr lang="fr-FR" sz="2800" dirty="0" smtClean="0">
+                <a:solidFill>
+                  <a:srgbClr val="E8750C"/>
+                </a:solidFill>
+              </a:rPr>
+              <a:t> propre</a:t>
+            </a:r>
+          </a:p>
+          <a:p>
+            <a:r>
+              <a:rPr lang="fr-FR" sz="2800" dirty="0" smtClean="0">
+                <a:solidFill>
+                  <a:srgbClr val="E8750C"/>
+                </a:solidFill>
+              </a:rPr>
+              <a:t>Tendances visibles</a:t>
+            </a:r>
+          </a:p>
+          <a:p>
+            <a:r>
+              <a:rPr lang="fr-FR" sz="2800" dirty="0" smtClean="0">
+                <a:solidFill>
+                  <a:srgbClr val="E8750C"/>
+                </a:solidFill>
+              </a:rPr>
+              <a:t>Peu de modèles possible</a:t>
+            </a:r>
+          </a:p>
+          <a:p>
+            <a:r>
+              <a:rPr lang="fr-FR" sz="2800" dirty="0" smtClean="0">
+                <a:solidFill>
+                  <a:srgbClr val="E8750C"/>
+                </a:solidFill>
+              </a:rPr>
+              <a:t>Problème mémoire</a:t>
+            </a:r>
+          </a:p>
+          <a:p>
+            <a:r>
+              <a:rPr lang="fr-FR" sz="2800" dirty="0" smtClean="0">
+                <a:solidFill>
+                  <a:srgbClr val="E8750C"/>
+                </a:solidFill>
+              </a:rPr>
+              <a:t>Modèle Linéaire pas mauvais</a:t>
+            </a:r>
+          </a:p>
+          <a:p>
+            <a:pPr lvl="1"/>
+            <a:r>
+              <a:rPr lang="fr-FR" sz="2400" dirty="0" smtClean="0">
+                <a:solidFill>
+                  <a:srgbClr val="E8750C"/>
+                </a:solidFill>
+              </a:rPr>
+              <a:t>Presque comme simple ANN</a:t>
+            </a:r>
+          </a:p>
+          <a:p>
+            <a:pPr marL="457200" lvl="1" indent="0">
+              <a:buNone/>
+            </a:pPr>
+            <a:endParaRPr lang="fr-FR" sz="2400" dirty="0" smtClean="0">
+              <a:solidFill>
+                <a:srgbClr val="E8750C"/>
+              </a:solidFill>
+            </a:endParaRPr>
+          </a:p>
+          <a:p>
+            <a:pPr marL="0" indent="0" algn="ctr">
+              <a:buNone/>
+            </a:pPr>
+            <a:r>
+              <a:rPr lang="fr-FR" dirty="0" smtClean="0">
+                <a:solidFill>
+                  <a:srgbClr val="E8750C"/>
+                </a:solidFill>
+              </a:rPr>
+              <a:t>Peu d’avantages pour les petits retard</a:t>
+            </a:r>
+          </a:p>
+          <a:p>
+            <a:endParaRPr lang="fr-FR" dirty="0" smtClean="0">
+              <a:solidFill>
+                <a:srgbClr val="E8750C"/>
+              </a:solidFill>
+            </a:endParaRPr>
+          </a:p>
+          <a:p>
+            <a:endParaRPr lang="fr-FR" dirty="0" smtClean="0">
+              <a:solidFill>
+                <a:srgbClr val="E8750C"/>
+              </a:solidFill>
+            </a:endParaRPr>
+          </a:p>
+        </p:txBody>
+      </p:sp>
+      <p:sp>
+        <p:nvSpPr>
+          <p:cNvPr id="4" name="Espace réservé de la date 3"/>
+          <p:cNvSpPr>
+            <a:spLocks noGrp="1"/>
+          </p:cNvSpPr>
+          <p:nvPr>
+            <p:ph type="dt" sz="half" idx="10"/>
+          </p:nvPr>
+        </p:nvSpPr>
+        <p:spPr/>
+        <p:txBody>
+          <a:bodyPr/>
+          <a:lstStyle/>
+          <a:p>
+            <a:fld id="{30547005-2CCE-4AAF-810C-C33FB4661996}" type="datetime1">
+              <a:rPr lang="fr-FR" smtClean="0"/>
+              <a:t>21/11/2017</a:t>
+            </a:fld>
+            <a:endParaRPr lang="fr-FR"/>
+          </a:p>
+        </p:txBody>
+      </p:sp>
+      <p:sp>
+        <p:nvSpPr>
+          <p:cNvPr id="5" name="Espace réservé du pied de page 4"/>
+          <p:cNvSpPr>
+            <a:spLocks noGrp="1"/>
+          </p:cNvSpPr>
+          <p:nvPr>
+            <p:ph type="ftr" sz="quarter" idx="11"/>
+          </p:nvPr>
+        </p:nvSpPr>
+        <p:spPr/>
+        <p:txBody>
+          <a:bodyPr/>
+          <a:lstStyle/>
+          <a:p>
+            <a:r>
+              <a:rPr lang="fr-FR" dirty="0" smtClean="0"/>
+              <a:t>MINE Nicolas</a:t>
+            </a:r>
+            <a:endParaRPr lang="fr-FR" dirty="0"/>
+          </a:p>
+        </p:txBody>
+      </p:sp>
+    </p:spTree>
+    <p:extLst>
+      <p:ext uri="{BB962C8B-B14F-4D97-AF65-F5344CB8AC3E}">
+        <p14:creationId xmlns:p14="http://schemas.microsoft.com/office/powerpoint/2010/main" val="2717898757"/>
       </p:ext>
     </p:extLst>
   </p:cSld>
@@ -4295,7 +7965,7 @@
         <p:spPr/>
         <p:txBody>
           <a:bodyPr>
-            <a:normAutofit fontScale="85000" lnSpcReduction="20000"/>
+            <a:normAutofit fontScale="77500" lnSpcReduction="20000"/>
           </a:bodyPr>
           <a:lstStyle/>
           <a:p>
@@ -4338,7 +8008,23 @@
                   <a:srgbClr val="E8750C"/>
                 </a:solidFill>
               </a:rPr>
-              <a:t>5 million de vols</a:t>
+              <a:t>5,6 </a:t>
+            </a:r>
+            <a:r>
+              <a:rPr lang="fr-FR" dirty="0" smtClean="0">
+                <a:solidFill>
+                  <a:srgbClr val="E8750C"/>
+                </a:solidFill>
+              </a:rPr>
+              <a:t>million de </a:t>
+            </a:r>
+            <a:r>
+              <a:rPr lang="fr-FR" dirty="0" smtClean="0">
+                <a:solidFill>
+                  <a:srgbClr val="E8750C"/>
+                </a:solidFill>
+              </a:rPr>
+              <a:t>vols</a:t>
             </a:r>
           </a:p>
           <a:p>
@@ -4349,8 +8035,37 @@
                   <a:srgbClr val="E8750C"/>
                 </a:solidFill>
               </a:rPr>
-              <a:t>Aucune donnée manquante</a:t>
-            </a:r>
+              <a:t>65 </a:t>
+            </a:r>
+            <a:r>
+              <a:rPr lang="fr-FR" dirty="0" err="1" smtClean="0">
+                <a:solidFill>
+                  <a:srgbClr val="E8750C"/>
+                </a:solidFill>
+              </a:rPr>
+              <a:t>features</a:t>
+            </a:r>
+            <a:endParaRPr lang="fr-FR" dirty="0" smtClean="0">
+              <a:solidFill>
+                <a:srgbClr val="E8750C"/>
+              </a:solidFill>
+            </a:endParaRPr>
+          </a:p>
+          <a:p>
+            <a:pPr lvl="1"/>
+            <a:r>
+              <a:rPr lang="fr-FR" dirty="0" smtClean="0">
+                <a:solidFill>
+                  <a:srgbClr val="E8750C"/>
+                </a:solidFill>
+              </a:rPr>
+              <a:t>Aucunes données manquantes</a:t>
+            </a:r>
+            <a:endParaRPr lang="fr-FR" dirty="0" smtClean="0">
+              <a:solidFill>
+                <a:srgbClr val="E8750C"/>
+              </a:solidFill>
+            </a:endParaRPr>
           </a:p>
           <a:p>
             <a:endParaRPr lang="fr-FR" dirty="0">
@@ -4433,7 +8148,7 @@
           <a:p>
             <a:fld id="{30547005-2CCE-4AAF-810C-C33FB4661996}" type="datetime1">
               <a:rPr lang="fr-FR" smtClean="0"/>
-              <a:t>19/11/2017</a:t>
+              <a:t>21/11/2017</a:t>
             </a:fld>
             <a:endParaRPr lang="fr-FR"/>
           </a:p>
@@ -4873,7 +8588,7 @@
           <a:p>
             <a:fld id="{30547005-2CCE-4AAF-810C-C33FB4661996}" type="datetime1">
               <a:rPr lang="fr-FR" smtClean="0"/>
-              <a:t>19/11/2017</a:t>
+              <a:t>21/11/2017</a:t>
             </a:fld>
             <a:endParaRPr lang="fr-FR"/>
           </a:p>
@@ -5158,7 +8873,7 @@
           <a:p>
             <a:fld id="{30547005-2CCE-4AAF-810C-C33FB4661996}" type="datetime1">
               <a:rPr lang="fr-FR" smtClean="0"/>
-              <a:t>19/11/2017</a:t>
+              <a:t>21/11/2017</a:t>
             </a:fld>
             <a:endParaRPr lang="fr-FR"/>
           </a:p>
@@ -5283,6 +8998,121 @@
               </a:rPr>
               <a:t>Script 1:</a:t>
             </a:r>
+          </a:p>
+          <a:p>
+            <a:pPr lvl="2"/>
+            <a:r>
+              <a:rPr lang="fr-FR" dirty="0" smtClean="0">
+                <a:solidFill>
+                  <a:srgbClr val="E8750C"/>
+                </a:solidFill>
+              </a:rPr>
+              <a:t>Allègement par mois</a:t>
+            </a:r>
+          </a:p>
+          <a:p>
+            <a:pPr lvl="1"/>
+            <a:r>
+              <a:rPr lang="fr-FR" dirty="0" smtClean="0">
+                <a:solidFill>
+                  <a:srgbClr val="E8750C"/>
+                </a:solidFill>
+              </a:rPr>
+              <a:t>Script 2:</a:t>
+            </a:r>
+          </a:p>
+          <a:p>
+            <a:pPr lvl="2"/>
+            <a:r>
+              <a:rPr lang="fr-FR" dirty="0" smtClean="0">
+                <a:solidFill>
+                  <a:srgbClr val="E8750C"/>
+                </a:solidFill>
+              </a:rPr>
+              <a:t>Regroupement des 12 mois</a:t>
+            </a:r>
+          </a:p>
+          <a:p>
+            <a:pPr lvl="2"/>
+            <a:r>
+              <a:rPr lang="fr-FR" dirty="0" smtClean="0">
+                <a:solidFill>
+                  <a:srgbClr val="E8750C"/>
+                </a:solidFill>
+              </a:rPr>
+              <a:t>Fin du nettoyage</a:t>
+            </a:r>
+          </a:p>
+          <a:p>
+            <a:pPr lvl="2"/>
+            <a:r>
+              <a:rPr lang="fr-FR" dirty="0" smtClean="0">
+                <a:solidFill>
+                  <a:srgbClr val="E8750C"/>
+                </a:solidFill>
+              </a:rPr>
+              <a:t>Génération des </a:t>
+            </a:r>
+            <a:r>
+              <a:rPr lang="fr-FR" dirty="0" err="1" smtClean="0">
+                <a:solidFill>
+                  <a:srgbClr val="E8750C"/>
+                </a:solidFill>
+              </a:rPr>
+              <a:t>datasets</a:t>
+            </a:r>
+            <a:r>
+              <a:rPr lang="fr-FR" dirty="0" smtClean="0">
+                <a:solidFill>
+                  <a:srgbClr val="E8750C"/>
+                </a:solidFill>
+              </a:rPr>
+              <a:t> </a:t>
+            </a:r>
+          </a:p>
+          <a:p>
+            <a:pPr lvl="3"/>
+            <a:r>
+              <a:rPr lang="fr-FR" dirty="0" smtClean="0">
+                <a:solidFill>
+                  <a:srgbClr val="E8750C"/>
+                </a:solidFill>
+              </a:rPr>
+              <a:t>Exploration</a:t>
+            </a:r>
+          </a:p>
+          <a:p>
+            <a:pPr lvl="3"/>
+            <a:r>
+              <a:rPr lang="fr-FR" dirty="0" smtClean="0">
+                <a:solidFill>
+                  <a:srgbClr val="E8750C"/>
+                </a:solidFill>
+              </a:rPr>
+              <a:t>Production</a:t>
+            </a:r>
+          </a:p>
+          <a:p>
+            <a:pPr lvl="1"/>
+            <a:r>
+              <a:rPr lang="fr-FR" dirty="0" smtClean="0">
+                <a:solidFill>
+                  <a:srgbClr val="E8750C"/>
+                </a:solidFill>
+              </a:rPr>
+              <a:t>Script 3 :</a:t>
+            </a:r>
+          </a:p>
+          <a:p>
+            <a:pPr lvl="2"/>
+            <a:r>
+              <a:rPr lang="fr-FR" dirty="0" err="1" smtClean="0">
+                <a:solidFill>
+                  <a:srgbClr val="E8750C"/>
+                </a:solidFill>
+              </a:rPr>
+              <a:t>Scaling</a:t>
+            </a:r>
             <a:endParaRPr lang="fr-FR" dirty="0" smtClean="0">
               <a:solidFill>
                 <a:srgbClr val="E8750C"/>
@@ -5297,7 +9127,7 @@
                   <a:srgbClr val="E8750C"/>
                 </a:solidFill>
               </a:rPr>
-              <a:t>Allègement par mois</a:t>
+              <a:t>Sauvegarde Train/Test sets en matrices</a:t>
             </a:r>
           </a:p>
           <a:p>
@@ -5308,7 +9138,7 @@
                   <a:srgbClr val="E8750C"/>
                 </a:solidFill>
               </a:rPr>
-              <a:t>Script 2:</a:t>
+              <a:t>Script suivants:</a:t>
             </a:r>
           </a:p>
           <a:p>
@@ -5319,7 +9149,7 @@
                   <a:srgbClr val="E8750C"/>
                 </a:solidFill>
               </a:rPr>
-              <a:t>Regroupement des 12 mois</a:t>
+              <a:t>1 modèle par script</a:t>
             </a:r>
           </a:p>
           <a:p>
@@ -5330,126 +9160,6 @@
                   <a:srgbClr val="E8750C"/>
                 </a:solidFill>
               </a:rPr>
-              <a:t>Fin du nettoyage</a:t>
-            </a:r>
-          </a:p>
-          <a:p>
-            <a:pPr lvl="2"/>
-            <a:r>
-              <a:rPr lang="fr-FR" dirty="0" smtClean="0">
-                <a:solidFill>
-                  <a:srgbClr val="E8750C"/>
-                </a:solidFill>
-              </a:rPr>
-              <a:t>Génération des </a:t>
-            </a:r>
-            <a:r>
-              <a:rPr lang="fr-FR" dirty="0" err="1" smtClean="0">
-                <a:solidFill>
-                  <a:srgbClr val="E8750C"/>
-                </a:solidFill>
-              </a:rPr>
-              <a:t>datasets</a:t>
-            </a:r>
-            <a:r>
-              <a:rPr lang="fr-FR" dirty="0" smtClean="0">
-                <a:solidFill>
-                  <a:srgbClr val="E8750C"/>
-                </a:solidFill>
-              </a:rPr>
-              <a:t> </a:t>
-            </a:r>
-          </a:p>
-          <a:p>
-            <a:pPr lvl="3"/>
-            <a:r>
-              <a:rPr lang="fr-FR" dirty="0" smtClean="0">
-                <a:solidFill>
-                  <a:srgbClr val="E8750C"/>
-                </a:solidFill>
-              </a:rPr>
-              <a:t>Exploration</a:t>
-            </a:r>
-          </a:p>
-          <a:p>
-            <a:pPr lvl="3"/>
-            <a:r>
-              <a:rPr lang="fr-FR" dirty="0" smtClean="0">
-                <a:solidFill>
-                  <a:srgbClr val="E8750C"/>
-                </a:solidFill>
-              </a:rPr>
-              <a:t>Production</a:t>
-            </a:r>
-          </a:p>
-          <a:p>
-            <a:pPr lvl="1"/>
-            <a:r>
-              <a:rPr lang="fr-FR" dirty="0" smtClean="0">
-                <a:solidFill>
-                  <a:srgbClr val="E8750C"/>
-                </a:solidFill>
-              </a:rPr>
-              <a:t>Script 3 :</a:t>
-            </a:r>
-          </a:p>
-          <a:p>
-            <a:pPr lvl="2"/>
-            <a:r>
-              <a:rPr lang="fr-FR" dirty="0" err="1" smtClean="0">
-                <a:solidFill>
-                  <a:srgbClr val="E8750C"/>
-                </a:solidFill>
-              </a:rPr>
-              <a:t>Scaling</a:t>
-            </a:r>
-            <a:endParaRPr lang="fr-FR" dirty="0" smtClean="0">
-              <a:solidFill>
-                <a:srgbClr val="E8750C"/>
-              </a:solidFill>
-            </a:endParaRPr>
-          </a:p>
-          <a:p>
-            <a:pPr lvl="2"/>
-            <a:r>
-              <a:rPr lang="fr-FR" dirty="0" smtClean="0">
-                <a:solidFill>
-                  <a:srgbClr val="E8750C"/>
-                </a:solidFill>
-              </a:rPr>
-              <a:t>Sauvegarde Train/Test sets en matrices</a:t>
-            </a:r>
-          </a:p>
-          <a:p>
-            <a:pPr lvl="1"/>
-            <a:r>
-              <a:rPr lang="fr-FR" dirty="0" smtClean="0">
-                <a:solidFill>
-                  <a:srgbClr val="E8750C"/>
-                </a:solidFill>
-              </a:rPr>
-              <a:t>Script suivants:</a:t>
-            </a:r>
-          </a:p>
-          <a:p>
-            <a:pPr lvl="2"/>
-            <a:r>
-              <a:rPr lang="fr-FR" dirty="0" smtClean="0">
-                <a:solidFill>
-                  <a:srgbClr val="E8750C"/>
-                </a:solidFill>
-              </a:rPr>
-              <a:t>1 modèle par script</a:t>
-            </a:r>
-          </a:p>
-          <a:p>
-            <a:pPr lvl="2"/>
-            <a:r>
-              <a:rPr lang="fr-FR" dirty="0" smtClean="0">
-                <a:solidFill>
-                  <a:srgbClr val="E8750C"/>
-                </a:solidFill>
-              </a:rPr>
               <a:t>Ecrit les résultats dans un fichier texte</a:t>
             </a:r>
           </a:p>
@@ -5472,7 +9182,7 @@
           <a:p>
             <a:fld id="{30547005-2CCE-4AAF-810C-C33FB4661996}" type="datetime1">
               <a:rPr lang="fr-FR" smtClean="0"/>
-              <a:t>19/11/2017</a:t>
+              <a:t>21/11/2017</a:t>
             </a:fld>
             <a:endParaRPr lang="fr-FR"/>
           </a:p>
@@ -5561,6 +9271,864 @@
           </a:p>
         </p:txBody>
       </p:sp>
+      <mc:AlternateContent xmlns:mc="http://schemas.openxmlformats.org/markup-compatibility/2006" xmlns:a14="http://schemas.microsoft.com/office/drawing/2010/main">
+        <mc:Choice Requires="a14">
+          <p:sp>
+            <p:nvSpPr>
+              <p:cNvPr id="3" name="Espace réservé du contenu 2"/>
+              <p:cNvSpPr>
+                <a:spLocks noGrp="1"/>
+              </p:cNvSpPr>
+              <p:nvPr>
+                <p:ph idx="1"/>
+              </p:nvPr>
+            </p:nvSpPr>
+            <p:spPr/>
+            <p:txBody>
+              <a:bodyPr>
+                <a:normAutofit/>
+              </a:bodyPr>
+              <a:lstStyle/>
+              <a:p>
+                <a:r>
+                  <a:rPr lang="fr-FR" sz="2800" dirty="0" smtClean="0">
+                    <a:solidFill>
+                      <a:srgbClr val="E8750C"/>
+                    </a:solidFill>
+                  </a:rPr>
+                  <a:t>Retard par aéroport</a:t>
+                </a:r>
+              </a:p>
+              <a:p>
+                <a:pPr lvl="1"/>
+                <a:r>
+                  <a:rPr lang="fr-FR" sz="2400" dirty="0" smtClean="0">
+                    <a:solidFill>
+                      <a:srgbClr val="E8750C"/>
+                    </a:solidFill>
+                  </a:rPr>
+                  <a:t>Variable</a:t>
+                </a:r>
+              </a:p>
+              <a:p>
+                <a:pPr lvl="1"/>
+                <a:r>
+                  <a:rPr lang="fr-FR" sz="2400" dirty="0" smtClean="0">
+                    <a:solidFill>
+                      <a:srgbClr val="E8750C"/>
+                    </a:solidFill>
+                  </a:rPr>
+                  <a:t>Non linéaire</a:t>
+                </a:r>
+              </a:p>
+              <a:p>
+                <a:pPr lvl="1"/>
+                <a:endParaRPr lang="fr-FR" sz="2400" dirty="0">
+                  <a:solidFill>
+                    <a:srgbClr val="E8750C"/>
+                  </a:solidFill>
+                </a:endParaRPr>
+              </a:p>
+              <a:p>
+                <a:r>
+                  <a:rPr lang="fr-FR" sz="2800" dirty="0" smtClean="0">
+                    <a:solidFill>
+                      <a:srgbClr val="E8750C"/>
+                    </a:solidFill>
+                  </a:rPr>
+                  <a:t>Regroupement</a:t>
+                </a:r>
+              </a:p>
+              <a:p>
+                <a:pPr lvl="1"/>
+                <a:r>
+                  <a:rPr lang="fr-FR" sz="2400" dirty="0" smtClean="0">
+                    <a:solidFill>
+                      <a:srgbClr val="E8750C"/>
+                    </a:solidFill>
+                  </a:rPr>
+                  <a:t>4 groupes par quartile</a:t>
+                </a:r>
+              </a:p>
+              <a:p>
+                <a:pPr lvl="1"/>
+                <a14:m>
+                  <m:oMath xmlns:m="http://schemas.openxmlformats.org/officeDocument/2006/math">
+                    <m:r>
+                      <a:rPr lang="fr-FR" sz="2400" i="1">
+                        <a:solidFill>
+                          <a:srgbClr val="E8750C"/>
+                        </a:solidFill>
+                        <a:latin typeface="Cambria Math"/>
+                      </a:rPr>
+                      <m:t>𝑟𝑒𝑡𝑎𝑟𝑑</m:t>
+                    </m:r>
+                    <m:r>
+                      <a:rPr lang="fr-FR" sz="2400" i="1">
+                        <a:solidFill>
+                          <a:srgbClr val="E8750C"/>
+                        </a:solidFill>
+                        <a:latin typeface="Cambria Math"/>
+                      </a:rPr>
+                      <m:t>=</m:t>
+                    </m:r>
+                    <m:r>
+                      <a:rPr lang="fr-FR" sz="2400" i="1">
+                        <a:solidFill>
+                          <a:srgbClr val="E8750C"/>
+                        </a:solidFill>
+                        <a:latin typeface="Cambria Math"/>
+                        <a:ea typeface="Cambria Math"/>
+                      </a:rPr>
+                      <m:t>𝛼</m:t>
+                    </m:r>
+                    <m:r>
+                      <a:rPr lang="fr-FR" sz="2400" i="1">
+                        <a:solidFill>
+                          <a:srgbClr val="E8750C"/>
+                        </a:solidFill>
+                        <a:latin typeface="Cambria Math"/>
+                        <a:ea typeface="Cambria Math"/>
+                      </a:rPr>
+                      <m:t> ∗ </m:t>
+                    </m:r>
+                    <m:r>
+                      <a:rPr lang="fr-FR" sz="2400" i="1">
+                        <a:solidFill>
+                          <a:srgbClr val="E8750C"/>
+                        </a:solidFill>
+                        <a:latin typeface="Cambria Math"/>
+                      </a:rPr>
+                      <m:t>𝑔𝑟𝑜𝑢𝑝𝑒</m:t>
+                    </m:r>
+                  </m:oMath>
+                </a14:m>
+                <a:r>
+                  <a:rPr lang="fr-FR" sz="2400" dirty="0">
+                    <a:solidFill>
+                      <a:srgbClr val="E8750C"/>
+                    </a:solidFill>
+                  </a:rPr>
+                  <a:t> + b</a:t>
+                </a:r>
+              </a:p>
+            </p:txBody>
+          </p:sp>
+        </mc:Choice>
+        <mc:Fallback xmlns="">
+          <p:sp>
+            <p:nvSpPr>
+              <p:cNvPr id="3" name="Espace réservé du contenu 2"/>
+              <p:cNvSpPr>
+                <a:spLocks noGrp="1" noRot="1" noChangeAspect="1" noMove="1" noResize="1" noEditPoints="1" noAdjustHandles="1" noChangeArrowheads="1" noChangeShapeType="1" noTextEdit="1"/>
+              </p:cNvSpPr>
+              <p:nvPr>
+                <p:ph idx="1"/>
+              </p:nvPr>
+            </p:nvSpPr>
+            <p:spPr>
+              <a:blipFill rotWithShape="1">
+                <a:blip r:embed="rId2"/>
+                <a:stretch>
+                  <a:fillRect l="-1259" t="-1348"/>
+                </a:stretch>
+              </a:blipFill>
+            </p:spPr>
+            <p:txBody>
+              <a:bodyPr/>
+              <a:lstStyle/>
+              <a:p>
+                <a:r>
+                  <a:rPr lang="fr-FR">
+                    <a:noFill/>
+                  </a:rPr>
+                  <a:t> </a:t>
+                </a:r>
+              </a:p>
+            </p:txBody>
+          </p:sp>
+        </mc:Fallback>
+      </mc:AlternateContent>
+      <p:sp>
+        <p:nvSpPr>
+          <p:cNvPr id="4" name="Espace réservé de la date 3"/>
+          <p:cNvSpPr>
+            <a:spLocks noGrp="1"/>
+          </p:cNvSpPr>
+          <p:nvPr>
+            <p:ph type="dt" sz="half" idx="10"/>
+          </p:nvPr>
+        </p:nvSpPr>
+        <p:spPr/>
+        <p:txBody>
+          <a:bodyPr/>
+          <a:lstStyle/>
+          <a:p>
+            <a:fld id="{30547005-2CCE-4AAF-810C-C33FB4661996}" type="datetime1">
+              <a:rPr lang="fr-FR" smtClean="0"/>
+              <a:t>21/11/2017</a:t>
+            </a:fld>
+            <a:endParaRPr lang="fr-FR"/>
+          </a:p>
+        </p:txBody>
+      </p:sp>
+      <p:sp>
+        <p:nvSpPr>
+          <p:cNvPr id="5" name="Espace réservé du pied de page 4"/>
+          <p:cNvSpPr>
+            <a:spLocks noGrp="1"/>
+          </p:cNvSpPr>
+          <p:nvPr>
+            <p:ph type="ftr" sz="quarter" idx="11"/>
+          </p:nvPr>
+        </p:nvSpPr>
+        <p:spPr/>
+        <p:txBody>
+          <a:bodyPr/>
+          <a:lstStyle/>
+          <a:p>
+            <a:r>
+              <a:rPr lang="fr-FR" dirty="0" smtClean="0"/>
+              <a:t>MINE Nicolas</a:t>
+            </a:r>
+            <a:endParaRPr lang="fr-FR" dirty="0"/>
+          </a:p>
+        </p:txBody>
+      </p:sp>
+      <p:pic>
+        <p:nvPicPr>
+          <p:cNvPr id="1026" name="Picture 2" descr="F:\Nicolas\Documents\OpenClassRoom\Projet 4 - retard avion\airport_delay.png"/>
+          <p:cNvPicPr>
+            <a:picLocks noChangeAspect="1" noChangeArrowheads="1"/>
+          </p:cNvPicPr>
+          <p:nvPr/>
+        </p:nvPicPr>
+        <p:blipFill rotWithShape="1">
+          <a:blip r:embed="rId3" cstate="print">
+            <a:clrChange>
+              <a:clrFrom>
+                <a:srgbClr val="FFFFFF"/>
+              </a:clrFrom>
+              <a:clrTo>
+                <a:srgbClr val="FFFFFF">
+                  <a:alpha val="0"/>
+                </a:srgbClr>
+              </a:clrTo>
+            </a:clrChange>
+            <a:extLst>
+              <a:ext uri="{28A0092B-C50C-407E-A947-70E740481C1C}">
+                <a14:useLocalDpi xmlns:a14="http://schemas.microsoft.com/office/drawing/2010/main" val="0"/>
+              </a:ext>
+            </a:extLst>
+          </a:blip>
+          <a:srcRect l="5927" t="9152" r="8333" b="7609"/>
+          <a:stretch/>
+        </p:blipFill>
+        <p:spPr bwMode="auto">
+          <a:xfrm>
+            <a:off x="5724128" y="1052736"/>
+            <a:ext cx="2947505" cy="2861562"/>
+          </a:xfrm>
+          <a:prstGeom prst="rect">
+            <a:avLst/>
+          </a:prstGeom>
+          <a:noFill/>
+          <a:extLst>
+            <a:ext uri="{909E8E84-426E-40DD-AFC4-6F175D3DCCD1}">
+              <a14:hiddenFill xmlns:a14="http://schemas.microsoft.com/office/drawing/2010/main">
+                <a:solidFill>
+                  <a:srgbClr val="FFFFFF"/>
+                </a:solidFill>
+              </a14:hiddenFill>
+            </a:ext>
+          </a:extLst>
+        </p:spPr>
+      </p:pic>
+      <p:pic>
+        <p:nvPicPr>
+          <p:cNvPr id="1027" name="Picture 3" descr="F:\Nicolas\Documents\OpenClassRoom\Projet 4 - retard avion\carrier_group.png"/>
+          <p:cNvPicPr>
+            <a:picLocks noChangeAspect="1" noChangeArrowheads="1"/>
+          </p:cNvPicPr>
+          <p:nvPr/>
+        </p:nvPicPr>
+        <p:blipFill rotWithShape="1">
+          <a:blip r:embed="rId4" cstate="print">
+            <a:clrChange>
+              <a:clrFrom>
+                <a:srgbClr val="FFFFFF"/>
+              </a:clrFrom>
+              <a:clrTo>
+                <a:srgbClr val="FFFFFF">
+                  <a:alpha val="0"/>
+                </a:srgbClr>
+              </a:clrTo>
+            </a:clrChange>
+            <a:extLst>
+              <a:ext uri="{28A0092B-C50C-407E-A947-70E740481C1C}">
+                <a14:useLocalDpi xmlns:a14="http://schemas.microsoft.com/office/drawing/2010/main" val="0"/>
+              </a:ext>
+            </a:extLst>
+          </a:blip>
+          <a:srcRect l="5555" t="8881" r="8240" b="7786"/>
+          <a:stretch/>
+        </p:blipFill>
+        <p:spPr bwMode="auto">
+          <a:xfrm>
+            <a:off x="5711890" y="3778284"/>
+            <a:ext cx="2907881" cy="2811056"/>
+          </a:xfrm>
+          <a:prstGeom prst="rect">
+            <a:avLst/>
+          </a:prstGeom>
+          <a:noFill/>
+          <a:extLst>
+            <a:ext uri="{909E8E84-426E-40DD-AFC4-6F175D3DCCD1}">
+              <a14:hiddenFill xmlns:a14="http://schemas.microsoft.com/office/drawing/2010/main">
+                <a:solidFill>
+                  <a:srgbClr val="FFFFFF"/>
+                </a:solidFill>
+              </a14:hiddenFill>
+            </a:ext>
+          </a:extLst>
+        </p:spPr>
+      </p:pic>
+    </p:spTree>
+    <p:extLst>
+      <p:ext uri="{BB962C8B-B14F-4D97-AF65-F5344CB8AC3E}">
+        <p14:creationId xmlns:p14="http://schemas.microsoft.com/office/powerpoint/2010/main" val="2773145955"/>
+      </p:ext>
+    </p:extLst>
+  </p:cSld>
+  <p:clrMapOvr>
+    <a:masterClrMapping/>
+  </p:clrMapOvr>
+  <p:timing>
+    <p:tnLst>
+      <p:par>
+        <p:cTn id="1" dur="indefinite" restart="never" nodeType="tmRoot"/>
+      </p:par>
+    </p:tnLst>
+  </p:timing>
+</p:sld>
+</file>
+
+<file path=ppt/slides/slide8.xml><?xml version="1.0" encoding="utf-8"?>
+<p:sld xmlns:a="http://schemas.openxmlformats.org/drawingml/2006/main" xmlns:r="http://schemas.openxmlformats.org/officeDocument/2006/relationships" xmlns:p="http://schemas.openxmlformats.org/presentationml/2006/main">
+  <p:cSld>
+    <p:spTree>
+      <p:nvGrpSpPr>
+        <p:cNvPr id="1" name=""/>
+        <p:cNvGrpSpPr/>
+        <p:nvPr/>
+      </p:nvGrpSpPr>
+      <p:grpSpPr>
+        <a:xfrm>
+          <a:off x="0" y="0"/>
+          <a:ext cx="0" cy="0"/>
+          <a:chOff x="0" y="0"/>
+          <a:chExt cx="0" cy="0"/>
+        </a:xfrm>
+      </p:grpSpPr>
+      <p:sp>
+        <p:nvSpPr>
+          <p:cNvPr id="2" name="Titre 1"/>
+          <p:cNvSpPr>
+            <a:spLocks noGrp="1"/>
+          </p:cNvSpPr>
+          <p:nvPr>
+            <p:ph type="title"/>
+          </p:nvPr>
+        </p:nvSpPr>
+        <p:spPr/>
+        <p:txBody>
+          <a:bodyPr/>
+          <a:lstStyle/>
+          <a:p>
+            <a:r>
+              <a:rPr lang="fr-FR" dirty="0" smtClean="0"/>
+              <a:t>Exploration</a:t>
+            </a:r>
+            <a:endParaRPr lang="fr-FR" dirty="0"/>
+          </a:p>
+        </p:txBody>
+      </p:sp>
+      <mc:AlternateContent xmlns:mc="http://schemas.openxmlformats.org/markup-compatibility/2006" xmlns:a14="http://schemas.microsoft.com/office/drawing/2010/main">
+        <mc:Choice Requires="a14">
+          <p:sp>
+            <p:nvSpPr>
+              <p:cNvPr id="3" name="Espace réservé du contenu 2"/>
+              <p:cNvSpPr>
+                <a:spLocks noGrp="1"/>
+              </p:cNvSpPr>
+              <p:nvPr>
+                <p:ph idx="1"/>
+              </p:nvPr>
+            </p:nvSpPr>
+            <p:spPr/>
+            <p:txBody>
+              <a:bodyPr>
+                <a:normAutofit fontScale="92500" lnSpcReduction="10000"/>
+              </a:bodyPr>
+              <a:lstStyle/>
+              <a:p>
+                <a:r>
+                  <a:rPr lang="fr-FR" sz="2800" dirty="0" smtClean="0">
+                    <a:solidFill>
+                      <a:srgbClr val="E8750C"/>
+                    </a:solidFill>
+                  </a:rPr>
+                  <a:t>Retard par Transporteur</a:t>
+                </a:r>
+              </a:p>
+              <a:p>
+                <a:pPr lvl="1"/>
+                <a:r>
+                  <a:rPr lang="fr-FR" sz="2400" dirty="0" smtClean="0">
+                    <a:solidFill>
+                      <a:srgbClr val="E8750C"/>
+                    </a:solidFill>
+                  </a:rPr>
+                  <a:t>Très variable</a:t>
+                </a:r>
+              </a:p>
+              <a:p>
+                <a:pPr lvl="1"/>
+                <a:r>
+                  <a:rPr lang="fr-FR" sz="2400" dirty="0" smtClean="0">
+                    <a:solidFill>
+                      <a:srgbClr val="E8750C"/>
+                    </a:solidFill>
+                  </a:rPr>
+                  <a:t>Non linéaire</a:t>
+                </a:r>
+              </a:p>
+              <a:p>
+                <a:pPr lvl="1"/>
+                <a:endParaRPr lang="fr-FR" sz="2400" dirty="0">
+                  <a:solidFill>
+                    <a:srgbClr val="E8750C"/>
+                  </a:solidFill>
+                </a:endParaRPr>
+              </a:p>
+              <a:p>
+                <a:r>
+                  <a:rPr lang="fr-FR" sz="2800" dirty="0" smtClean="0">
+                    <a:solidFill>
+                      <a:srgbClr val="E8750C"/>
+                    </a:solidFill>
+                  </a:rPr>
+                  <a:t>Retard récupéré par Transporteur</a:t>
+                </a:r>
+              </a:p>
+              <a:p>
+                <a:pPr lvl="1"/>
+                <a:r>
+                  <a:rPr lang="fr-FR" sz="2400" dirty="0">
+                    <a:solidFill>
+                      <a:srgbClr val="E8750C"/>
+                    </a:solidFill>
+                  </a:rPr>
+                  <a:t>Très variable</a:t>
+                </a:r>
+              </a:p>
+              <a:p>
+                <a:pPr lvl="1"/>
+                <a:r>
+                  <a:rPr lang="fr-FR" sz="2400" dirty="0">
+                    <a:solidFill>
+                      <a:srgbClr val="E8750C"/>
+                    </a:solidFill>
+                  </a:rPr>
+                  <a:t>Non linéaire</a:t>
+                </a:r>
+              </a:p>
+              <a:p>
+                <a:pPr lvl="1"/>
+                <a:endParaRPr lang="fr-FR" sz="2400" dirty="0">
+                  <a:solidFill>
+                    <a:srgbClr val="E8750C"/>
+                  </a:solidFill>
+                </a:endParaRPr>
+              </a:p>
+              <a:p>
+                <a:r>
+                  <a:rPr lang="fr-FR" sz="2800" dirty="0" smtClean="0">
+                    <a:solidFill>
+                      <a:srgbClr val="E8750C"/>
+                    </a:solidFill>
+                  </a:rPr>
+                  <a:t>Simplification</a:t>
+                </a:r>
+              </a:p>
+              <a:p>
+                <a:pPr lvl="1"/>
+                <a:r>
+                  <a:rPr lang="fr-FR" sz="2400" dirty="0" smtClean="0">
+                    <a:solidFill>
+                      <a:srgbClr val="E8750C"/>
+                    </a:solidFill>
+                  </a:rPr>
+                  <a:t>OHE</a:t>
+                </a:r>
+              </a:p>
+              <a:p>
+                <a:pPr lvl="1"/>
+                <a14:m>
+                  <m:oMath xmlns:m="http://schemas.openxmlformats.org/officeDocument/2006/math">
+                    <m:r>
+                      <a:rPr lang="fr-FR" sz="2400" b="0" i="1" smtClean="0">
+                        <a:solidFill>
+                          <a:srgbClr val="E8750C"/>
+                        </a:solidFill>
+                        <a:latin typeface="Cambria Math"/>
+                      </a:rPr>
+                      <m:t>𝑟𝑒𝑡𝑎𝑟𝑑</m:t>
+                    </m:r>
+                    <m:r>
+                      <a:rPr lang="fr-FR" sz="2400" b="0" i="1" smtClean="0">
+                        <a:solidFill>
+                          <a:srgbClr val="E8750C"/>
+                        </a:solidFill>
+                        <a:latin typeface="Cambria Math"/>
+                      </a:rPr>
+                      <m:t>= </m:t>
+                    </m:r>
+                    <m:nary>
+                      <m:naryPr>
+                        <m:chr m:val="∑"/>
+                        <m:supHide m:val="on"/>
+                        <m:ctrlPr>
+                          <a:rPr lang="fr-FR" sz="2400" b="0" i="1" smtClean="0">
+                            <a:solidFill>
+                              <a:srgbClr val="E8750C"/>
+                            </a:solidFill>
+                            <a:latin typeface="Cambria Math"/>
+                          </a:rPr>
+                        </m:ctrlPr>
+                      </m:naryPr>
+                      <m:sub>
+                        <m:r>
+                          <m:rPr>
+                            <m:brk m:alnAt="7"/>
+                          </m:rPr>
+                          <a:rPr lang="fr-FR" sz="2400" b="0" i="1" smtClean="0">
+                            <a:solidFill>
+                              <a:srgbClr val="E8750C"/>
+                            </a:solidFill>
+                            <a:latin typeface="Cambria Math"/>
+                          </a:rPr>
+                          <m:t>𝑡</m:t>
+                        </m:r>
+                        <m:r>
+                          <a:rPr lang="fr-FR" sz="2400" b="0" i="1" smtClean="0">
+                            <a:solidFill>
+                              <a:srgbClr val="E8750C"/>
+                            </a:solidFill>
+                            <a:latin typeface="Cambria Math"/>
+                          </a:rPr>
+                          <m:t>𝑟𝑎𝑛𝑠𝑝𝑜𝑟𝑡𝑒𝑢𝑟𝑠</m:t>
+                        </m:r>
+                      </m:sub>
+                      <m:sup/>
+                      <m:e>
+                        <m:sSub>
+                          <m:sSubPr>
+                            <m:ctrlPr>
+                              <a:rPr lang="fr-FR" sz="2400" b="0" i="1" smtClean="0">
+                                <a:solidFill>
+                                  <a:srgbClr val="E8750C"/>
+                                </a:solidFill>
+                                <a:latin typeface="Cambria Math"/>
+                                <a:ea typeface="Cambria Math"/>
+                              </a:rPr>
+                            </m:ctrlPr>
+                          </m:sSubPr>
+                          <m:e>
+                            <m:r>
+                              <a:rPr lang="fr-FR" sz="2400" b="0" i="1" smtClean="0">
+                                <a:solidFill>
+                                  <a:srgbClr val="E8750C"/>
+                                </a:solidFill>
+                                <a:latin typeface="Cambria Math"/>
+                                <a:ea typeface="Cambria Math"/>
+                              </a:rPr>
+                              <m:t>𝛼</m:t>
+                            </m:r>
+                          </m:e>
+                          <m:sub>
+                            <m:r>
+                              <a:rPr lang="fr-FR" sz="2400" i="1">
+                                <a:solidFill>
+                                  <a:srgbClr val="E8750C"/>
+                                </a:solidFill>
+                                <a:latin typeface="Cambria Math"/>
+                                <a:ea typeface="Cambria Math"/>
+                              </a:rPr>
+                              <m:t>𝑡𝑟𝑎𝑛𝑠𝑝𝑜𝑟𝑡𝑒𝑢𝑟</m:t>
+                            </m:r>
+                          </m:sub>
+                        </m:sSub>
+                      </m:e>
+                    </m:nary>
+                    <m:r>
+                      <a:rPr lang="fr-FR" sz="2400" b="0" i="1" smtClean="0">
+                        <a:solidFill>
+                          <a:srgbClr val="E8750C"/>
+                        </a:solidFill>
+                        <a:latin typeface="Cambria Math"/>
+                      </a:rPr>
+                      <m:t> </m:t>
+                    </m:r>
+                  </m:oMath>
+                </a14:m>
+                <a:endParaRPr lang="fr-FR" sz="2400" dirty="0" smtClean="0">
+                  <a:solidFill>
+                    <a:srgbClr val="E8750C"/>
+                  </a:solidFill>
+                </a:endParaRPr>
+              </a:p>
+            </p:txBody>
+          </p:sp>
+        </mc:Choice>
+        <mc:Fallback xmlns="">
+          <p:sp>
+            <p:nvSpPr>
+              <p:cNvPr id="3" name="Espace réservé du contenu 2"/>
+              <p:cNvSpPr>
+                <a:spLocks noGrp="1" noRot="1" noChangeAspect="1" noMove="1" noResize="1" noEditPoints="1" noAdjustHandles="1" noChangeArrowheads="1" noChangeShapeType="1" noTextEdit="1"/>
+              </p:cNvSpPr>
+              <p:nvPr>
+                <p:ph idx="1"/>
+              </p:nvPr>
+            </p:nvSpPr>
+            <p:spPr>
+              <a:blipFill rotWithShape="1">
+                <a:blip r:embed="rId2"/>
+                <a:stretch>
+                  <a:fillRect l="-1111" t="-2022" b="-13477"/>
+                </a:stretch>
+              </a:blipFill>
+            </p:spPr>
+            <p:txBody>
+              <a:bodyPr/>
+              <a:lstStyle/>
+              <a:p>
+                <a:r>
+                  <a:rPr lang="fr-FR">
+                    <a:noFill/>
+                  </a:rPr>
+                  <a:t> </a:t>
+                </a:r>
+              </a:p>
+            </p:txBody>
+          </p:sp>
+        </mc:Fallback>
+      </mc:AlternateContent>
+      <p:sp>
+        <p:nvSpPr>
+          <p:cNvPr id="4" name="Espace réservé de la date 3"/>
+          <p:cNvSpPr>
+            <a:spLocks noGrp="1"/>
+          </p:cNvSpPr>
+          <p:nvPr>
+            <p:ph type="dt" sz="half" idx="10"/>
+          </p:nvPr>
+        </p:nvSpPr>
+        <p:spPr/>
+        <p:txBody>
+          <a:bodyPr/>
+          <a:lstStyle/>
+          <a:p>
+            <a:fld id="{30547005-2CCE-4AAF-810C-C33FB4661996}" type="datetime1">
+              <a:rPr lang="fr-FR" smtClean="0"/>
+              <a:t>21/11/2017</a:t>
+            </a:fld>
+            <a:endParaRPr lang="fr-FR"/>
+          </a:p>
+        </p:txBody>
+      </p:sp>
+      <p:sp>
+        <p:nvSpPr>
+          <p:cNvPr id="5" name="Espace réservé du pied de page 4"/>
+          <p:cNvSpPr>
+            <a:spLocks noGrp="1"/>
+          </p:cNvSpPr>
+          <p:nvPr>
+            <p:ph type="ftr" sz="quarter" idx="11"/>
+          </p:nvPr>
+        </p:nvSpPr>
+        <p:spPr/>
+        <p:txBody>
+          <a:bodyPr/>
+          <a:lstStyle/>
+          <a:p>
+            <a:r>
+              <a:rPr lang="fr-FR" dirty="0" smtClean="0"/>
+              <a:t>MINE Nicolas</a:t>
+            </a:r>
+            <a:endParaRPr lang="fr-FR" dirty="0"/>
+          </a:p>
+        </p:txBody>
+      </p:sp>
+      <p:pic>
+        <p:nvPicPr>
+          <p:cNvPr id="2050" name="Picture 2" descr="F:\Nicolas\Documents\OpenClassRoom\Projet 4 - retard avion\carrier_delay_saved.png"/>
+          <p:cNvPicPr>
+            <a:picLocks noChangeAspect="1" noChangeArrowheads="1"/>
+          </p:cNvPicPr>
+          <p:nvPr/>
+        </p:nvPicPr>
+        <p:blipFill rotWithShape="1">
+          <a:blip r:embed="rId3">
+            <a:clrChange>
+              <a:clrFrom>
+                <a:srgbClr val="FFFFFF"/>
+              </a:clrFrom>
+              <a:clrTo>
+                <a:srgbClr val="FFFFFF">
+                  <a:alpha val="0"/>
+                </a:srgbClr>
+              </a:clrTo>
+            </a:clrChange>
+            <a:extLst>
+              <a:ext uri="{28A0092B-C50C-407E-A947-70E740481C1C}">
+                <a14:useLocalDpi xmlns:a14="http://schemas.microsoft.com/office/drawing/2010/main" val="0"/>
+              </a:ext>
+            </a:extLst>
+          </a:blip>
+          <a:srcRect l="6674" t="9356" r="8900" b="8282"/>
+          <a:stretch/>
+        </p:blipFill>
+        <p:spPr bwMode="auto">
+          <a:xfrm>
+            <a:off x="5933066" y="3593369"/>
+            <a:ext cx="3126713" cy="3050319"/>
+          </a:xfrm>
+          <a:prstGeom prst="rect">
+            <a:avLst/>
+          </a:prstGeom>
+          <a:noFill/>
+          <a:extLst>
+            <a:ext uri="{909E8E84-426E-40DD-AFC4-6F175D3DCCD1}">
+              <a14:hiddenFill xmlns:a14="http://schemas.microsoft.com/office/drawing/2010/main">
+                <a:solidFill>
+                  <a:srgbClr val="FFFFFF"/>
+                </a:solidFill>
+              </a14:hiddenFill>
+            </a:ext>
+          </a:extLst>
+        </p:spPr>
+      </p:pic>
+      <p:pic>
+        <p:nvPicPr>
+          <p:cNvPr id="2051" name="Picture 3" descr="F:\Nicolas\Documents\OpenClassRoom\Projet 4 - retard avion\carrier_delay.png"/>
+          <p:cNvPicPr>
+            <a:picLocks noChangeAspect="1" noChangeArrowheads="1"/>
+          </p:cNvPicPr>
+          <p:nvPr/>
+        </p:nvPicPr>
+        <p:blipFill rotWithShape="1">
+          <a:blip r:embed="rId4">
+            <a:clrChange>
+              <a:clrFrom>
+                <a:srgbClr val="FFFFFF"/>
+              </a:clrFrom>
+              <a:clrTo>
+                <a:srgbClr val="FFFFFF">
+                  <a:alpha val="0"/>
+                </a:srgbClr>
+              </a:clrTo>
+            </a:clrChange>
+            <a:extLst>
+              <a:ext uri="{28A0092B-C50C-407E-A947-70E740481C1C}">
+                <a14:useLocalDpi xmlns:a14="http://schemas.microsoft.com/office/drawing/2010/main" val="0"/>
+              </a:ext>
+            </a:extLst>
+          </a:blip>
+          <a:srcRect l="6918" t="9530" r="7415" b="8241"/>
+          <a:stretch/>
+        </p:blipFill>
+        <p:spPr bwMode="auto">
+          <a:xfrm>
+            <a:off x="5979694" y="721519"/>
+            <a:ext cx="3128809" cy="2871851"/>
+          </a:xfrm>
+          <a:prstGeom prst="rect">
+            <a:avLst/>
+          </a:prstGeom>
+          <a:noFill/>
+          <a:extLst>
+            <a:ext uri="{909E8E84-426E-40DD-AFC4-6F175D3DCCD1}">
+              <a14:hiddenFill xmlns:a14="http://schemas.microsoft.com/office/drawing/2010/main">
+                <a:solidFill>
+                  <a:srgbClr val="FFFFFF"/>
+                </a:solidFill>
+              </a14:hiddenFill>
+            </a:ext>
+          </a:extLst>
+        </p:spPr>
+      </p:pic>
+    </p:spTree>
+    <p:extLst>
+      <p:ext uri="{BB962C8B-B14F-4D97-AF65-F5344CB8AC3E}">
+        <p14:creationId xmlns:p14="http://schemas.microsoft.com/office/powerpoint/2010/main" val="2998254189"/>
+      </p:ext>
+    </p:extLst>
+  </p:cSld>
+  <p:clrMapOvr>
+    <a:masterClrMapping/>
+  </p:clrMapOvr>
+  <p:timing>
+    <p:tnLst>
+      <p:par>
+        <p:cTn id="1" dur="indefinite" restart="never" nodeType="tmRoot"/>
+      </p:par>
+    </p:tnLst>
+  </p:timing>
+</p:sld>
+</file>
+
+<file path=ppt/slides/slide9.xml><?xml version="1.0" encoding="utf-8"?>
+<p:sld xmlns:a="http://schemas.openxmlformats.org/drawingml/2006/main" xmlns:r="http://schemas.openxmlformats.org/officeDocument/2006/relationships" xmlns:p="http://schemas.openxmlformats.org/presentationml/2006/main">
+  <p:cSld>
+    <p:spTree>
+      <p:nvGrpSpPr>
+        <p:cNvPr id="1" name=""/>
+        <p:cNvGrpSpPr/>
+        <p:nvPr/>
+      </p:nvGrpSpPr>
+      <p:grpSpPr>
+        <a:xfrm>
+          <a:off x="0" y="0"/>
+          <a:ext cx="0" cy="0"/>
+          <a:chOff x="0" y="0"/>
+          <a:chExt cx="0" cy="0"/>
+        </a:xfrm>
+      </p:grpSpPr>
+      <p:sp>
+        <p:nvSpPr>
+          <p:cNvPr id="2" name="Titre 1"/>
+          <p:cNvSpPr>
+            <a:spLocks noGrp="1"/>
+          </p:cNvSpPr>
+          <p:nvPr>
+            <p:ph type="title"/>
+          </p:nvPr>
+        </p:nvSpPr>
+        <p:spPr/>
+        <p:txBody>
+          <a:bodyPr/>
+          <a:lstStyle/>
+          <a:p>
+            <a:r>
+              <a:rPr lang="fr-FR" dirty="0" smtClean="0"/>
+              <a:t>Exploration</a:t>
+            </a:r>
+            <a:endParaRPr lang="fr-FR" dirty="0"/>
+          </a:p>
+        </p:txBody>
+      </p:sp>
       <p:sp>
         <p:nvSpPr>
           <p:cNvPr id="3" name="Espace réservé du contenu 2"/>
@@ -5578,12 +10146,50 @@
           </a:bodyPr>
           <a:lstStyle/>
           <a:p>
+            <a:r>
+              <a:rPr lang="fr-FR" sz="2800" dirty="0" smtClean="0">
+                <a:solidFill>
+                  <a:srgbClr val="E8750C"/>
+                </a:solidFill>
+              </a:rPr>
+              <a:t>Retard par Date</a:t>
+            </a:r>
+          </a:p>
+          <a:p>
+            <a:pPr lvl="1"/>
+            <a:r>
+              <a:rPr lang="fr-FR" sz="2400" dirty="0" smtClean="0">
+                <a:solidFill>
+                  <a:srgbClr val="E8750C"/>
+                </a:solidFill>
+              </a:rPr>
+              <a:t>Par heure</a:t>
+            </a:r>
+          </a:p>
+          <a:p>
+            <a:pPr lvl="2"/>
+            <a:r>
+              <a:rPr lang="fr-FR" sz="2000" dirty="0" smtClean="0">
+                <a:solidFill>
+                  <a:srgbClr val="E8750C"/>
+                </a:solidFill>
+              </a:rPr>
+              <a:t>Assez Linéaire</a:t>
+            </a:r>
             <a:endParaRPr lang="fr-FR" dirty="0" smtClean="0">
               <a:solidFill>
                 <a:srgbClr val="E8750C"/>
               </a:solidFill>
             </a:endParaRPr>
           </a:p>
+          <a:p>
+            <a:pPr lvl="1"/>
+            <a:endParaRPr lang="fr-FR" sz="2400" dirty="0" smtClean="0">
+              <a:solidFill>
+                <a:srgbClr val="E8750C"/>
+              </a:solidFill>
+            </a:endParaRPr>
+          </a:p>
         </p:txBody>
       </p:sp>
       <p:sp>
@@ -5603,7 +10209,7 @@
           <a:p>
             <a:fld id="{30547005-2CCE-4AAF-810C-C33FB4661996}" type="datetime1">
               <a:rPr lang="fr-FR" smtClean="0"/>
-              <a:t>19/11/2017</a:t>
+              <a:t>21/11/2017</a:t>
             </a:fld>
             <a:endParaRPr lang="fr-FR"/>
           </a:p>
@@ -5627,6 +10233,89 @@
             <a:r>
               <a:rPr lang="fr-FR" dirty="0" smtClean="0"/>
               <a:t>MINE Nicolas</a:t>
+            </a:r>
+            <a:endParaRPr lang="fr-FR" dirty="0"/>
+          </a:p>
+        </p:txBody>
+      </p:sp>
+      <p:pic>
+        <p:nvPicPr>
+          <p:cNvPr id="5122" name="Picture 2" descr="F:\Nicolas\Documents\OpenClassRoom\Projet 4 - retard avion\avg_late.png"/>
+          <p:cNvPicPr>
+            <a:picLocks noChangeAspect="1" noChangeArrowheads="1"/>
+          </p:cNvPicPr>
+          <p:nvPr/>
+        </p:nvPicPr>
+        <p:blipFill rotWithShape="1">
+          <a:blip r:embed="rId2">
+            <a:clrChange>
+              <a:clrFrom>
+                <a:srgbClr val="FFFFFF"/>
+              </a:clrFrom>
+              <a:clrTo>
+                <a:srgbClr val="FFFFFF">
+                  <a:alpha val="0"/>
+                </a:srgbClr>
+              </a:clrTo>
+            </a:clrChange>
+            <a:extLst>
+              <a:ext uri="{28A0092B-C50C-407E-A947-70E740481C1C}">
+                <a14:useLocalDpi xmlns:a14="http://schemas.microsoft.com/office/drawing/2010/main" val="0"/>
+              </a:ext>
+            </a:extLst>
+          </a:blip>
+          <a:srcRect l="8600" t="9322" r="8137" b="7345"/>
+          <a:stretch/>
+        </p:blipFill>
+        <p:spPr bwMode="auto">
+          <a:xfrm>
+            <a:off x="3779912" y="2204864"/>
+            <a:ext cx="5201134" cy="3904104"/>
+          </a:xfrm>
+          <a:prstGeom prst="rect">
+            <a:avLst/>
+          </a:prstGeom>
+          <a:noFill/>
+          <a:extLst>
+            <a:ext uri="{909E8E84-426E-40DD-AFC4-6F175D3DCCD1}">
+              <a14:hiddenFill xmlns:a14="http://schemas.microsoft.com/office/drawing/2010/main">
+                <a:solidFill>
+                  <a:srgbClr val="FFFFFF"/>
+                </a:solidFill>
+              </a14:hiddenFill>
+            </a:ext>
+          </a:extLst>
+        </p:spPr>
+      </p:pic>
+      <p:sp>
+        <p:nvSpPr>
+          <p:cNvPr id="6" name="ZoneTexte 5"/>
+          <p:cNvSpPr txBox="1"/>
+          <p:nvPr/>
+        </p:nvSpPr>
+        <p:spPr>
+          <a:xfrm>
+            <a:off x="683568" y="3717032"/>
+            <a:ext cx="2376264" cy="369332"/>
+          </a:xfrm>
+          <a:prstGeom prst="rect">
+            <a:avLst/>
+          </a:prstGeom>
+          <a:noFill/>
+        </p:spPr>
+        <p:txBody>
+          <a:bodyPr wrap="square" rtlCol="0">
+            <a:spAutoFit/>
+          </a:bodyPr>
+          <a:lstStyle/>
+          <a:p>
+            <a:r>
+              <a:rPr lang="fr-FR" dirty="0" err="1" smtClean="0"/>
+              <a:t>Hist</a:t>
+            </a:r>
+            <a:r>
+              <a:rPr lang="fr-FR" dirty="0" smtClean="0"/>
+              <a:t> nb vols</a:t>
             </a:r>
             <a:endParaRPr lang="fr-FR" dirty="0"/>
           </a:p>
@@ -5635,7 +10324,7 @@
     </p:spTree>
     <p:extLst>
       <p:ext uri="{BB962C8B-B14F-4D97-AF65-F5344CB8AC3E}">
-        <p14:creationId xmlns:p14="http://schemas.microsoft.com/office/powerpoint/2010/main" val="2773145955"/>
+        <p14:creationId xmlns:p14="http://schemas.microsoft.com/office/powerpoint/2010/main" val="1526014593"/>
       </p:ext>
     </p:extLst>
   </p:cSld>
